--- a/companion-website/public/files/8. Jesus the Rabbi.pptx
+++ b/companion-website/public/files/8. Jesus the Rabbi.pptx
@@ -5,24 +5,25 @@
     <p:sldMasterId id="2147483648" r:id="rId1"/>
   </p:sldMasterIdLst>
   <p:notesMasterIdLst>
-    <p:notesMasterId r:id="rId17"/>
+    <p:notesMasterId r:id="rId18"/>
   </p:notesMasterIdLst>
   <p:sldIdLst>
     <p:sldId id="275" r:id="rId2"/>
-    <p:sldId id="277" r:id="rId3"/>
-    <p:sldId id="443" r:id="rId4"/>
-    <p:sldId id="264" r:id="rId5"/>
-    <p:sldId id="439" r:id="rId6"/>
-    <p:sldId id="440" r:id="rId7"/>
-    <p:sldId id="441" r:id="rId8"/>
-    <p:sldId id="442" r:id="rId9"/>
-    <p:sldId id="449" r:id="rId10"/>
-    <p:sldId id="446" r:id="rId11"/>
-    <p:sldId id="452" r:id="rId12"/>
-    <p:sldId id="451" r:id="rId13"/>
-    <p:sldId id="447" r:id="rId14"/>
-    <p:sldId id="448" r:id="rId15"/>
-    <p:sldId id="445" r:id="rId16"/>
+    <p:sldId id="469" r:id="rId3"/>
+    <p:sldId id="277" r:id="rId4"/>
+    <p:sldId id="443" r:id="rId5"/>
+    <p:sldId id="264" r:id="rId6"/>
+    <p:sldId id="439" r:id="rId7"/>
+    <p:sldId id="440" r:id="rId8"/>
+    <p:sldId id="441" r:id="rId9"/>
+    <p:sldId id="442" r:id="rId10"/>
+    <p:sldId id="449" r:id="rId11"/>
+    <p:sldId id="446" r:id="rId12"/>
+    <p:sldId id="452" r:id="rId13"/>
+    <p:sldId id="451" r:id="rId14"/>
+    <p:sldId id="447" r:id="rId15"/>
+    <p:sldId id="448" r:id="rId16"/>
+    <p:sldId id="445" r:id="rId17"/>
   </p:sldIdLst>
   <p:sldSz cx="9144000" cy="6858000" type="screen4x3"/>
   <p:notesSz cx="6858000" cy="9144000"/>
@@ -222,7 +223,7 @@
           <a:p>
             <a:fld id="{8F7EB338-8BB0-B64B-9F79-C87EA24D723F}" type="datetimeFigureOut">
               <a:rPr lang="en-US" smtClean="0"/>
-              <a:t>7/19/20</a:t>
+              <a:t>10/22/20</a:t>
             </a:fld>
             <a:endParaRPr lang="en-US"/>
           </a:p>
@@ -628,7 +629,7 @@
             <a:spLocks noGrp="1"/>
           </p:cNvSpPr>
           <p:nvPr>
-            <p:ph type="sldNum" sz="quarter" idx="5"/>
+            <p:ph type="sldNum" sz="quarter" idx="10"/>
           </p:nvPr>
         </p:nvSpPr>
         <p:spPr/>
@@ -636,9 +637,9 @@
           <a:bodyPr/>
           <a:lstStyle/>
           <a:p>
-            <a:fld id="{E31E1A05-B3B6-6F43-8051-B5A825C5C2A3}" type="slidenum">
+            <a:fld id="{0A2C3B37-55FA-284F-9E83-751B4EA6E9B4}" type="slidenum">
               <a:rPr lang="en-US" smtClean="0"/>
-              <a:t>13</a:t>
+              <a:t>12</a:t>
             </a:fld>
             <a:endParaRPr lang="en-US"/>
           </a:p>
@@ -647,7 +648,7 @@
     </p:spTree>
     <p:extLst>
       <p:ext uri="{BB962C8B-B14F-4D97-AF65-F5344CB8AC3E}">
-        <p14:creationId xmlns:p14="http://schemas.microsoft.com/office/powerpoint/2010/main" val="2225633885"/>
+        <p14:creationId xmlns:p14="http://schemas.microsoft.com/office/powerpoint/2010/main" val="362436668"/>
       </p:ext>
     </p:extLst>
   </p:cSld>
@@ -723,6 +724,90 @@
             <a:fld id="{E31E1A05-B3B6-6F43-8051-B5A825C5C2A3}" type="slidenum">
               <a:rPr lang="en-US" smtClean="0"/>
               <a:t>14</a:t>
+            </a:fld>
+            <a:endParaRPr lang="en-US"/>
+          </a:p>
+        </p:txBody>
+      </p:sp>
+    </p:spTree>
+    <p:extLst>
+      <p:ext uri="{BB962C8B-B14F-4D97-AF65-F5344CB8AC3E}">
+        <p14:creationId xmlns:p14="http://schemas.microsoft.com/office/powerpoint/2010/main" val="2225633885"/>
+      </p:ext>
+    </p:extLst>
+  </p:cSld>
+  <p:clrMapOvr>
+    <a:masterClrMapping/>
+  </p:clrMapOvr>
+</p:notes>
+</file>
+
+<file path=ppt/notesSlides/notesSlide12.xml><?xml version="1.0" encoding="utf-8"?>
+<p:notes xmlns:a="http://schemas.openxmlformats.org/drawingml/2006/main" xmlns:r="http://schemas.openxmlformats.org/officeDocument/2006/relationships" xmlns:p="http://schemas.openxmlformats.org/presentationml/2006/main">
+  <p:cSld>
+    <p:spTree>
+      <p:nvGrpSpPr>
+        <p:cNvPr id="1" name=""/>
+        <p:cNvGrpSpPr/>
+        <p:nvPr/>
+      </p:nvGrpSpPr>
+      <p:grpSpPr>
+        <a:xfrm>
+          <a:off x="0" y="0"/>
+          <a:ext cx="0" cy="0"/>
+          <a:chOff x="0" y="0"/>
+          <a:chExt cx="0" cy="0"/>
+        </a:xfrm>
+      </p:grpSpPr>
+      <p:sp>
+        <p:nvSpPr>
+          <p:cNvPr id="2" name="Slide Image Placeholder 1"/>
+          <p:cNvSpPr>
+            <a:spLocks noGrp="1" noRot="1" noChangeAspect="1"/>
+          </p:cNvSpPr>
+          <p:nvPr>
+            <p:ph type="sldImg"/>
+          </p:nvPr>
+        </p:nvSpPr>
+        <p:spPr/>
+      </p:sp>
+      <p:sp>
+        <p:nvSpPr>
+          <p:cNvPr id="3" name="Notes Placeholder 2"/>
+          <p:cNvSpPr>
+            <a:spLocks noGrp="1"/>
+          </p:cNvSpPr>
+          <p:nvPr>
+            <p:ph type="body" idx="1"/>
+          </p:nvPr>
+        </p:nvSpPr>
+        <p:spPr/>
+        <p:txBody>
+          <a:bodyPr/>
+          <a:lstStyle/>
+          <a:p>
+            <a:endParaRPr lang="en-US" dirty="0"/>
+          </a:p>
+        </p:txBody>
+      </p:sp>
+      <p:sp>
+        <p:nvSpPr>
+          <p:cNvPr id="4" name="Slide Number Placeholder 3"/>
+          <p:cNvSpPr>
+            <a:spLocks noGrp="1"/>
+          </p:cNvSpPr>
+          <p:nvPr>
+            <p:ph type="sldNum" sz="quarter" idx="5"/>
+          </p:nvPr>
+        </p:nvSpPr>
+        <p:spPr/>
+        <p:txBody>
+          <a:bodyPr/>
+          <a:lstStyle/>
+          <a:p>
+            <a:fld id="{E31E1A05-B3B6-6F43-8051-B5A825C5C2A3}" type="slidenum">
+              <a:rPr lang="en-US" smtClean="0"/>
+              <a:t>15</a:t>
             </a:fld>
             <a:endParaRPr lang="en-US"/>
           </a:p>
@@ -796,7 +881,7 @@
             <a:spLocks noGrp="1"/>
           </p:cNvSpPr>
           <p:nvPr>
-            <p:ph type="sldNum" sz="quarter" idx="5"/>
+            <p:ph type="sldNum" sz="quarter" idx="10"/>
           </p:nvPr>
         </p:nvSpPr>
         <p:spPr/>
@@ -804,7 +889,7 @@
           <a:bodyPr/>
           <a:lstStyle/>
           <a:p>
-            <a:fld id="{E31E1A05-B3B6-6F43-8051-B5A825C5C2A3}" type="slidenum">
+            <a:fld id="{0A2C3B37-55FA-284F-9E83-751B4EA6E9B4}" type="slidenum">
               <a:rPr lang="en-US" smtClean="0"/>
               <a:t>2</a:t>
             </a:fld>
@@ -815,7 +900,7 @@
     </p:spTree>
     <p:extLst>
       <p:ext uri="{BB962C8B-B14F-4D97-AF65-F5344CB8AC3E}">
-        <p14:creationId xmlns:p14="http://schemas.microsoft.com/office/powerpoint/2010/main" val="548979535"/>
+        <p14:creationId xmlns:p14="http://schemas.microsoft.com/office/powerpoint/2010/main" val="526915656"/>
       </p:ext>
     </p:extLst>
   </p:cSld>
@@ -880,7 +965,7 @@
             <a:spLocks noGrp="1"/>
           </p:cNvSpPr>
           <p:nvPr>
-            <p:ph type="sldNum" sz="quarter" idx="10"/>
+            <p:ph type="sldNum" sz="quarter" idx="5"/>
           </p:nvPr>
         </p:nvSpPr>
         <p:spPr/>
@@ -888,7 +973,7 @@
           <a:bodyPr/>
           <a:lstStyle/>
           <a:p>
-            <a:fld id="{0A2C3B37-55FA-284F-9E83-751B4EA6E9B4}" type="slidenum">
+            <a:fld id="{E31E1A05-B3B6-6F43-8051-B5A825C5C2A3}" type="slidenum">
               <a:rPr lang="en-US" smtClean="0"/>
               <a:t>3</a:t>
             </a:fld>
@@ -899,7 +984,7 @@
     </p:spTree>
     <p:extLst>
       <p:ext uri="{BB962C8B-B14F-4D97-AF65-F5344CB8AC3E}">
-        <p14:creationId xmlns:p14="http://schemas.microsoft.com/office/powerpoint/2010/main" val="543367134"/>
+        <p14:creationId xmlns:p14="http://schemas.microsoft.com/office/powerpoint/2010/main" val="548979535"/>
       </p:ext>
     </p:extLst>
   </p:cSld>
@@ -983,7 +1068,7 @@
     </p:spTree>
     <p:extLst>
       <p:ext uri="{BB962C8B-B14F-4D97-AF65-F5344CB8AC3E}">
-        <p14:creationId xmlns:p14="http://schemas.microsoft.com/office/powerpoint/2010/main" val="3490690591"/>
+        <p14:creationId xmlns:p14="http://schemas.microsoft.com/office/powerpoint/2010/main" val="543367134"/>
       </p:ext>
     </p:extLst>
   </p:cSld>
@@ -1048,7 +1133,7 @@
             <a:spLocks noGrp="1"/>
           </p:cNvSpPr>
           <p:nvPr>
-            <p:ph type="sldNum" sz="quarter" idx="5"/>
+            <p:ph type="sldNum" sz="quarter" idx="10"/>
           </p:nvPr>
         </p:nvSpPr>
         <p:spPr/>
@@ -1056,9 +1141,9 @@
           <a:bodyPr/>
           <a:lstStyle/>
           <a:p>
-            <a:fld id="{E31E1A05-B3B6-6F43-8051-B5A825C5C2A3}" type="slidenum">
+            <a:fld id="{0A2C3B37-55FA-284F-9E83-751B4EA6E9B4}" type="slidenum">
               <a:rPr lang="en-US" smtClean="0"/>
-              <a:t>6</a:t>
+              <a:t>5</a:t>
             </a:fld>
             <a:endParaRPr lang="en-US"/>
           </a:p>
@@ -1067,7 +1152,7 @@
     </p:spTree>
     <p:extLst>
       <p:ext uri="{BB962C8B-B14F-4D97-AF65-F5344CB8AC3E}">
-        <p14:creationId xmlns:p14="http://schemas.microsoft.com/office/powerpoint/2010/main" val="4009312659"/>
+        <p14:creationId xmlns:p14="http://schemas.microsoft.com/office/powerpoint/2010/main" val="3490690591"/>
       </p:ext>
     </p:extLst>
   </p:cSld>
@@ -1151,7 +1236,7 @@
     </p:spTree>
     <p:extLst>
       <p:ext uri="{BB962C8B-B14F-4D97-AF65-F5344CB8AC3E}">
-        <p14:creationId xmlns:p14="http://schemas.microsoft.com/office/powerpoint/2010/main" val="3992425405"/>
+        <p14:creationId xmlns:p14="http://schemas.microsoft.com/office/powerpoint/2010/main" val="4009312659"/>
       </p:ext>
     </p:extLst>
   </p:cSld>
@@ -1235,7 +1320,7 @@
     </p:spTree>
     <p:extLst>
       <p:ext uri="{BB962C8B-B14F-4D97-AF65-F5344CB8AC3E}">
-        <p14:creationId xmlns:p14="http://schemas.microsoft.com/office/powerpoint/2010/main" val="2813557321"/>
+        <p14:creationId xmlns:p14="http://schemas.microsoft.com/office/powerpoint/2010/main" val="3992425405"/>
       </p:ext>
     </p:extLst>
   </p:cSld>
@@ -1310,7 +1395,7 @@
           <a:p>
             <a:fld id="{E31E1A05-B3B6-6F43-8051-B5A825C5C2A3}" type="slidenum">
               <a:rPr lang="en-US" smtClean="0"/>
-              <a:t>10</a:t>
+              <a:t>9</a:t>
             </a:fld>
             <a:endParaRPr lang="en-US"/>
           </a:p>
@@ -1319,7 +1404,7 @@
     </p:spTree>
     <p:extLst>
       <p:ext uri="{BB962C8B-B14F-4D97-AF65-F5344CB8AC3E}">
-        <p14:creationId xmlns:p14="http://schemas.microsoft.com/office/powerpoint/2010/main" val="585575468"/>
+        <p14:creationId xmlns:p14="http://schemas.microsoft.com/office/powerpoint/2010/main" val="2813557321"/>
       </p:ext>
     </p:extLst>
   </p:cSld>
@@ -1384,7 +1469,7 @@
             <a:spLocks noGrp="1"/>
           </p:cNvSpPr>
           <p:nvPr>
-            <p:ph type="sldNum" sz="quarter" idx="10"/>
+            <p:ph type="sldNum" sz="quarter" idx="5"/>
           </p:nvPr>
         </p:nvSpPr>
         <p:spPr/>
@@ -1392,7 +1477,7 @@
           <a:bodyPr/>
           <a:lstStyle/>
           <a:p>
-            <a:fld id="{0A2C3B37-55FA-284F-9E83-751B4EA6E9B4}" type="slidenum">
+            <a:fld id="{E31E1A05-B3B6-6F43-8051-B5A825C5C2A3}" type="slidenum">
               <a:rPr lang="en-US" smtClean="0"/>
               <a:t>11</a:t>
             </a:fld>
@@ -1403,7 +1488,7 @@
     </p:spTree>
     <p:extLst>
       <p:ext uri="{BB962C8B-B14F-4D97-AF65-F5344CB8AC3E}">
-        <p14:creationId xmlns:p14="http://schemas.microsoft.com/office/powerpoint/2010/main" val="362436668"/>
+        <p14:creationId xmlns:p14="http://schemas.microsoft.com/office/powerpoint/2010/main" val="585575468"/>
       </p:ext>
     </p:extLst>
   </p:cSld>
@@ -1597,7 +1682,7 @@
             <a:fld id="{DBE77699-C466-4996-ADED-71C8160E04A2}" type="datetimeFigureOut">
               <a:rPr lang="en-US" smtClean="0"/>
               <a:pPr/>
-              <a:t>7/19/20</a:t>
+              <a:t>10/22/20</a:t>
             </a:fld>
             <a:endParaRPr lang="en-US"/>
           </a:p>
@@ -1762,7 +1847,7 @@
             <a:fld id="{DBE77699-C466-4996-ADED-71C8160E04A2}" type="datetimeFigureOut">
               <a:rPr lang="en-US" smtClean="0"/>
               <a:pPr/>
-              <a:t>7/19/20</a:t>
+              <a:t>10/22/20</a:t>
             </a:fld>
             <a:endParaRPr lang="en-US"/>
           </a:p>
@@ -1937,7 +2022,7 @@
             <a:fld id="{DBE77699-C466-4996-ADED-71C8160E04A2}" type="datetimeFigureOut">
               <a:rPr lang="en-US" smtClean="0"/>
               <a:pPr/>
-              <a:t>7/19/20</a:t>
+              <a:t>10/22/20</a:t>
             </a:fld>
             <a:endParaRPr lang="en-US"/>
           </a:p>
@@ -2056,7 +2141,7 @@
             <a:fld id="{DBE77699-C466-4996-ADED-71C8160E04A2}" type="datetimeFigureOut">
               <a:rPr lang="en-US" smtClean="0"/>
               <a:pPr/>
-              <a:t>7/19/20</a:t>
+              <a:t>10/22/20</a:t>
             </a:fld>
             <a:endParaRPr lang="en-US"/>
           </a:p>
@@ -2464,7 +2549,7 @@
             <a:fld id="{DBE77699-C466-4996-ADED-71C8160E04A2}" type="datetimeFigureOut">
               <a:rPr lang="en-US" smtClean="0"/>
               <a:pPr/>
-              <a:t>7/19/20</a:t>
+              <a:t>10/22/20</a:t>
             </a:fld>
             <a:endParaRPr lang="en-US"/>
           </a:p>
@@ -2706,7 +2791,7 @@
             <a:fld id="{DBE77699-C466-4996-ADED-71C8160E04A2}" type="datetimeFigureOut">
               <a:rPr lang="en-US" smtClean="0"/>
               <a:pPr/>
-              <a:t>7/19/20</a:t>
+              <a:t>10/22/20</a:t>
             </a:fld>
             <a:endParaRPr lang="en-US"/>
           </a:p>
@@ -2988,7 +3073,7 @@
             <a:fld id="{DBE77699-C466-4996-ADED-71C8160E04A2}" type="datetimeFigureOut">
               <a:rPr lang="en-US" smtClean="0"/>
               <a:pPr/>
-              <a:t>7/19/20</a:t>
+              <a:t>10/22/20</a:t>
             </a:fld>
             <a:endParaRPr lang="en-US"/>
           </a:p>
@@ -3404,7 +3489,7 @@
             <a:fld id="{DBE77699-C466-4996-ADED-71C8160E04A2}" type="datetimeFigureOut">
               <a:rPr lang="en-US" smtClean="0"/>
               <a:pPr/>
-              <a:t>7/19/20</a:t>
+              <a:t>10/22/20</a:t>
             </a:fld>
             <a:endParaRPr lang="en-US"/>
           </a:p>
@@ -3518,7 +3603,7 @@
             <a:fld id="{DBE77699-C466-4996-ADED-71C8160E04A2}" type="datetimeFigureOut">
               <a:rPr lang="en-US" smtClean="0"/>
               <a:pPr/>
-              <a:t>7/19/20</a:t>
+              <a:t>10/22/20</a:t>
             </a:fld>
             <a:endParaRPr lang="en-US"/>
           </a:p>
@@ -3610,7 +3695,7 @@
             <a:fld id="{DBE77699-C466-4996-ADED-71C8160E04A2}" type="datetimeFigureOut">
               <a:rPr lang="en-US" smtClean="0"/>
               <a:pPr/>
-              <a:t>7/19/20</a:t>
+              <a:t>10/22/20</a:t>
             </a:fld>
             <a:endParaRPr lang="en-US"/>
           </a:p>
@@ -3882,7 +3967,7 @@
             <a:fld id="{DBE77699-C466-4996-ADED-71C8160E04A2}" type="datetimeFigureOut">
               <a:rPr lang="en-US" smtClean="0"/>
               <a:pPr/>
-              <a:t>7/19/20</a:t>
+              <a:t>10/22/20</a:t>
             </a:fld>
             <a:endParaRPr lang="en-US"/>
           </a:p>
@@ -4131,7 +4216,7 @@
             <a:fld id="{DBE77699-C466-4996-ADED-71C8160E04A2}" type="datetimeFigureOut">
               <a:rPr lang="en-US" smtClean="0"/>
               <a:pPr/>
-              <a:t>7/19/20</a:t>
+              <a:t>10/22/20</a:t>
             </a:fld>
             <a:endParaRPr lang="en-US"/>
           </a:p>
@@ -4342,7 +4427,7 @@
             <a:fld id="{DBE77699-C466-4996-ADED-71C8160E04A2}" type="datetimeFigureOut">
               <a:rPr lang="en-US" smtClean="0"/>
               <a:pPr/>
-              <a:t>7/19/20</a:t>
+              <a:t>10/22/20</a:t>
             </a:fld>
             <a:endParaRPr lang="en-US"/>
           </a:p>
@@ -5755,6 +5840,36 @@
           <a:chExt cx="0" cy="0"/>
         </a:xfrm>
       </p:grpSpPr>
+    </p:spTree>
+    <p:extLst>
+      <p:ext uri="{BB962C8B-B14F-4D97-AF65-F5344CB8AC3E}">
+        <p14:creationId xmlns:p14="http://schemas.microsoft.com/office/powerpoint/2010/main" val="3703266066"/>
+      </p:ext>
+    </p:extLst>
+  </p:cSld>
+  <p:clrMapOvr>
+    <a:masterClrMapping/>
+  </p:clrMapOvr>
+</p:sld>
+</file>
+
+<file path=ppt/slides/slide11.xml><?xml version="1.0" encoding="utf-8"?>
+<p:sld xmlns:a="http://schemas.openxmlformats.org/drawingml/2006/main" xmlns:r="http://schemas.openxmlformats.org/officeDocument/2006/relationships" xmlns:p="http://schemas.openxmlformats.org/presentationml/2006/main">
+  <p:cSld>
+    <p:spTree>
+      <p:nvGrpSpPr>
+        <p:cNvPr id="1" name=""/>
+        <p:cNvGrpSpPr/>
+        <p:nvPr/>
+      </p:nvGrpSpPr>
+      <p:grpSpPr>
+        <a:xfrm>
+          <a:off x="0" y="0"/>
+          <a:ext cx="0" cy="0"/>
+          <a:chOff x="0" y="0"/>
+          <a:chExt cx="0" cy="0"/>
+        </a:xfrm>
+      </p:grpSpPr>
       <p:sp>
         <p:nvSpPr>
           <p:cNvPr id="2" name="Title 1">
@@ -5934,7 +6049,7 @@
 </p:sld>
 </file>
 
-<file path=ppt/slides/slide11.xml><?xml version="1.0" encoding="utf-8"?>
+<file path=ppt/slides/slide12.xml><?xml version="1.0" encoding="utf-8"?>
 <p:sld xmlns:a="http://schemas.openxmlformats.org/drawingml/2006/main" xmlns:r="http://schemas.openxmlformats.org/officeDocument/2006/relationships" xmlns:p="http://schemas.openxmlformats.org/presentationml/2006/main">
   <p:cSld>
     <p:spTree>
@@ -7572,7 +7687,7 @@
 </p:sld>
 </file>
 
-<file path=ppt/slides/slide12.xml><?xml version="1.0" encoding="utf-8"?>
+<file path=ppt/slides/slide13.xml><?xml version="1.0" encoding="utf-8"?>
 <p:sld xmlns:a="http://schemas.openxmlformats.org/drawingml/2006/main" xmlns:r="http://schemas.openxmlformats.org/officeDocument/2006/relationships" xmlns:p="http://schemas.openxmlformats.org/presentationml/2006/main">
   <p:cSld>
     <p:spTree>
@@ -7643,177 +7758,6 @@
     <p:extLst>
       <p:ext uri="{BB962C8B-B14F-4D97-AF65-F5344CB8AC3E}">
         <p14:creationId xmlns:p14="http://schemas.microsoft.com/office/powerpoint/2010/main" val="3235369714"/>
-      </p:ext>
-    </p:extLst>
-  </p:cSld>
-  <p:clrMapOvr>
-    <a:masterClrMapping/>
-  </p:clrMapOvr>
-</p:sld>
-</file>
-
-<file path=ppt/slides/slide13.xml><?xml version="1.0" encoding="utf-8"?>
-<p:sld xmlns:a="http://schemas.openxmlformats.org/drawingml/2006/main" xmlns:r="http://schemas.openxmlformats.org/officeDocument/2006/relationships" xmlns:p="http://schemas.openxmlformats.org/presentationml/2006/main">
-  <p:cSld>
-    <p:spTree>
-      <p:nvGrpSpPr>
-        <p:cNvPr id="1" name=""/>
-        <p:cNvGrpSpPr/>
-        <p:nvPr/>
-      </p:nvGrpSpPr>
-      <p:grpSpPr>
-        <a:xfrm>
-          <a:off x="0" y="0"/>
-          <a:ext cx="0" cy="0"/>
-          <a:chOff x="0" y="0"/>
-          <a:chExt cx="0" cy="0"/>
-        </a:xfrm>
-      </p:grpSpPr>
-      <p:sp>
-        <p:nvSpPr>
-          <p:cNvPr id="2" name="Title 1">
-            <a:extLst>
-              <a:ext uri="{FF2B5EF4-FFF2-40B4-BE49-F238E27FC236}">
-                <a16:creationId xmlns:a16="http://schemas.microsoft.com/office/drawing/2014/main" id="{C8F392D1-A4F5-744A-9239-99BC6612F901}"/>
-              </a:ext>
-            </a:extLst>
-          </p:cNvPr>
-          <p:cNvSpPr>
-            <a:spLocks noGrp="1"/>
-          </p:cNvSpPr>
-          <p:nvPr>
-            <p:ph type="title"/>
-          </p:nvPr>
-        </p:nvSpPr>
-        <p:spPr>
-          <a:xfrm>
-            <a:off x="457200" y="152400"/>
-            <a:ext cx="8686800" cy="3962400"/>
-          </a:xfrm>
-        </p:spPr>
-        <p:txBody>
-          <a:bodyPr anchor="b" anchorCtr="0">
-            <a:noAutofit/>
-          </a:bodyPr>
-          <a:lstStyle/>
-          <a:p>
-            <a:pPr>
-              <a:tabLst>
-                <a:tab pos="91440" algn="l"/>
-              </a:tabLst>
-            </a:pPr>
-            <a:r>
-              <a:rPr lang="en-US" sz="4000" dirty="0"/>
-              <a:t>“said the Rabbi to his pupil, ‘pay attention and I shall teach it to you again.’ He then</a:t>
-            </a:r>
-            <a:r>
-              <a:rPr lang="en-US" sz="4000" dirty="0">
-                <a:highlight>
-                  <a:srgbClr val="C00002"/>
-                </a:highlight>
-              </a:rPr>
-              <a:t> repeated the lesson a second four hundred times</a:t>
-            </a:r>
-            <a:r>
-              <a:rPr lang="en-US" sz="4000" b="1" dirty="0">
-                <a:solidFill>
-                  <a:srgbClr val="CB5B0E"/>
-                </a:solidFill>
-                <a:highlight>
-                  <a:srgbClr val="C00002"/>
-                </a:highlight>
-              </a:rPr>
-              <a:t> </a:t>
-            </a:r>
-            <a:r>
-              <a:rPr lang="en-US" sz="4000" dirty="0"/>
-              <a:t>and the pupil knew it.”</a:t>
-            </a:r>
-          </a:p>
-        </p:txBody>
-      </p:sp>
-      <p:sp>
-        <p:nvSpPr>
-          <p:cNvPr id="4" name="TextBox 3">
-            <a:extLst>
-              <a:ext uri="{FF2B5EF4-FFF2-40B4-BE49-F238E27FC236}">
-                <a16:creationId xmlns:a16="http://schemas.microsoft.com/office/drawing/2014/main" id="{D9D09682-4714-2740-8C41-23070EBB5BEB}"/>
-              </a:ext>
-            </a:extLst>
-          </p:cNvPr>
-          <p:cNvSpPr txBox="1"/>
-          <p:nvPr/>
-        </p:nvSpPr>
-        <p:spPr>
-          <a:xfrm>
-            <a:off x="114300" y="4495800"/>
-            <a:ext cx="9029700" cy="1384995"/>
-          </a:xfrm>
-          <a:prstGeom prst="rect">
-            <a:avLst/>
-          </a:prstGeom>
-          <a:noFill/>
-        </p:spPr>
-        <p:txBody>
-          <a:bodyPr wrap="square" lIns="0" rtlCol="0">
-            <a:spAutoFit/>
-          </a:bodyPr>
-          <a:lstStyle/>
-          <a:p>
-            <a:r>
-              <a:rPr lang="en-US" sz="4400" b="1" cap="all" dirty="0">
-                <a:solidFill>
-                  <a:srgbClr val="009EC0"/>
-                </a:solidFill>
-              </a:rPr>
-              <a:t>B. </a:t>
-            </a:r>
-            <a:r>
-              <a:rPr lang="en-US" sz="4400" b="1" cap="all" dirty="0" err="1">
-                <a:solidFill>
-                  <a:srgbClr val="009EC0"/>
-                </a:solidFill>
-              </a:rPr>
-              <a:t>Preida</a:t>
-            </a:r>
-            <a:br>
-              <a:rPr lang="en-US" sz="4400" cap="all" dirty="0">
-                <a:solidFill>
-                  <a:srgbClr val="009EC0"/>
-                </a:solidFill>
-              </a:rPr>
-            </a:br>
-            <a:r>
-              <a:rPr lang="en-US" sz="4000" i="1" dirty="0">
-                <a:solidFill>
-                  <a:srgbClr val="009EC0"/>
-                </a:solidFill>
-              </a:rPr>
-              <a:t>Ein Yaakov (Glick Edition), </a:t>
-            </a:r>
-            <a:r>
-              <a:rPr lang="en-US" sz="4000" i="1" dirty="0" err="1">
-                <a:solidFill>
-                  <a:srgbClr val="009EC0"/>
-                </a:solidFill>
-              </a:rPr>
-              <a:t>Eiruvin</a:t>
-            </a:r>
-            <a:r>
-              <a:rPr lang="en-US" sz="4000" i="1" dirty="0">
-                <a:solidFill>
-                  <a:srgbClr val="009EC0"/>
-                </a:solidFill>
-              </a:rPr>
-              <a:t> 5</a:t>
-            </a:r>
-          </a:p>
-        </p:txBody>
-      </p:sp>
-    </p:spTree>
-    <p:extLst>
-      <p:ext uri="{BB962C8B-B14F-4D97-AF65-F5344CB8AC3E}">
-        <p14:creationId xmlns:p14="http://schemas.microsoft.com/office/powerpoint/2010/main" val="1895745834"/>
       </p:ext>
     </p:extLst>
   </p:cSld>
@@ -7875,15 +7819,7 @@
             </a:pPr>
             <a:r>
               <a:rPr lang="en-US" sz="4000" dirty="0"/>
-              <a:t>“</a:t>
-            </a:r>
-            <a:r>
-              <a:rPr lang="en-US" sz="4000" dirty="0" err="1"/>
-              <a:t>Rav</a:t>
-            </a:r>
-            <a:r>
-              <a:rPr lang="en-US" sz="4000" dirty="0"/>
-              <a:t> said: I</a:t>
+              <a:t>“said the Rabbi to his pupil, ‘pay attention and I shall teach it to you again.’ He then</a:t>
             </a:r>
             <a:r>
               <a:rPr lang="en-US" sz="4000" dirty="0">
@@ -7891,15 +7827,7 @@
                   <a:srgbClr val="C00002"/>
                 </a:highlight>
               </a:rPr>
-              <a:t> found a hidden scroll in the house of Rabbi </a:t>
-            </a:r>
-            <a:r>
-              <a:rPr lang="en-US" sz="4000" dirty="0" err="1">
-                <a:highlight>
-                  <a:srgbClr val="C00002"/>
-                </a:highlight>
-              </a:rPr>
-              <a:t>Ḥiyya</a:t>
+              <a:t> repeated the lesson a second four hundred times</a:t>
             </a:r>
             <a:r>
               <a:rPr lang="en-US" sz="4000" b="1" dirty="0">
@@ -7914,7 +7842,7 @@
             </a:r>
             <a:r>
               <a:rPr lang="en-US" sz="4000" dirty="0"/>
-              <a:t>in which matters of Oral Torah were briefly summarized, and in it was written:…”</a:t>
+              <a:t>and the pupil knew it.”</a:t>
             </a:r>
           </a:p>
         </p:txBody>
@@ -7934,7 +7862,7 @@
         <p:spPr>
           <a:xfrm>
             <a:off x="114300" y="4495800"/>
-            <a:ext cx="9029700" cy="707886"/>
+            <a:ext cx="9029700" cy="1384995"/>
           </a:xfrm>
           <a:prstGeom prst="rect">
             <a:avLst/>
@@ -7948,12 +7876,51 @@
           <a:lstStyle/>
           <a:p>
             <a:r>
+              <a:rPr lang="en-US" sz="4400" b="1" cap="all" dirty="0">
+                <a:solidFill>
+                  <a:srgbClr val="009EC0"/>
+                </a:solidFill>
+              </a:rPr>
+              <a:t>B. </a:t>
+            </a:r>
+            <a:r>
+              <a:rPr lang="en-US" sz="4400" b="1" cap="all" dirty="0" err="1">
+                <a:solidFill>
+                  <a:srgbClr val="009EC0"/>
+                </a:solidFill>
+              </a:rPr>
+              <a:t>Preida</a:t>
+            </a:r>
+            <a:br>
+              <a:rPr lang="en-US" sz="4400" cap="all" dirty="0">
+                <a:solidFill>
+                  <a:srgbClr val="009EC0"/>
+                </a:solidFill>
+              </a:rPr>
+            </a:br>
+            <a:r>
               <a:rPr lang="en-US" sz="4000" i="1" dirty="0">
                 <a:solidFill>
                   <a:srgbClr val="009EC0"/>
                 </a:solidFill>
               </a:rPr>
-              <a:t>Shabbat 6b:7</a:t>
+              <a:t>Ein Yaakov (Glick Edition), </a:t>
+            </a:r>
+            <a:r>
+              <a:rPr lang="en-US" sz="4000" i="1" dirty="0" err="1">
+                <a:solidFill>
+                  <a:srgbClr val="009EC0"/>
+                </a:solidFill>
+              </a:rPr>
+              <a:t>Eiruvin</a:t>
+            </a:r>
+            <a:r>
+              <a:rPr lang="en-US" sz="4000" i="1" dirty="0">
+                <a:solidFill>
+                  <a:srgbClr val="009EC0"/>
+                </a:solidFill>
+              </a:rPr>
+              <a:t> 5</a:t>
             </a:r>
           </a:p>
         </p:txBody>
@@ -7961,7 +7928,7 @@
     </p:spTree>
     <p:extLst>
       <p:ext uri="{BB962C8B-B14F-4D97-AF65-F5344CB8AC3E}">
-        <p14:creationId xmlns:p14="http://schemas.microsoft.com/office/powerpoint/2010/main" val="151849900"/>
+        <p14:creationId xmlns:p14="http://schemas.microsoft.com/office/powerpoint/2010/main" val="1895745834"/>
       </p:ext>
     </p:extLst>
   </p:cSld>
@@ -7993,6 +7960,154 @@
           <p:cNvPr id="2" name="Title 1">
             <a:extLst>
               <a:ext uri="{FF2B5EF4-FFF2-40B4-BE49-F238E27FC236}">
+                <a16:creationId xmlns:a16="http://schemas.microsoft.com/office/drawing/2014/main" id="{C8F392D1-A4F5-744A-9239-99BC6612F901}"/>
+              </a:ext>
+            </a:extLst>
+          </p:cNvPr>
+          <p:cNvSpPr>
+            <a:spLocks noGrp="1"/>
+          </p:cNvSpPr>
+          <p:nvPr>
+            <p:ph type="title"/>
+          </p:nvPr>
+        </p:nvSpPr>
+        <p:spPr>
+          <a:xfrm>
+            <a:off x="457200" y="152400"/>
+            <a:ext cx="8686800" cy="3962400"/>
+          </a:xfrm>
+        </p:spPr>
+        <p:txBody>
+          <a:bodyPr anchor="b" anchorCtr="0">
+            <a:noAutofit/>
+          </a:bodyPr>
+          <a:lstStyle/>
+          <a:p>
+            <a:pPr>
+              <a:tabLst>
+                <a:tab pos="91440" algn="l"/>
+              </a:tabLst>
+            </a:pPr>
+            <a:r>
+              <a:rPr lang="en-US" sz="4000" dirty="0"/>
+              <a:t>“</a:t>
+            </a:r>
+            <a:r>
+              <a:rPr lang="en-US" sz="4000" dirty="0" err="1"/>
+              <a:t>Rav</a:t>
+            </a:r>
+            <a:r>
+              <a:rPr lang="en-US" sz="4000" dirty="0"/>
+              <a:t> said: I</a:t>
+            </a:r>
+            <a:r>
+              <a:rPr lang="en-US" sz="4000" dirty="0">
+                <a:highlight>
+                  <a:srgbClr val="C00002"/>
+                </a:highlight>
+              </a:rPr>
+              <a:t> found a hidden scroll in the house of Rabbi </a:t>
+            </a:r>
+            <a:r>
+              <a:rPr lang="en-US" sz="4000" dirty="0" err="1">
+                <a:highlight>
+                  <a:srgbClr val="C00002"/>
+                </a:highlight>
+              </a:rPr>
+              <a:t>Ḥiyya</a:t>
+            </a:r>
+            <a:r>
+              <a:rPr lang="en-US" sz="4000" b="1" dirty="0">
+                <a:solidFill>
+                  <a:srgbClr val="CB5B0E"/>
+                </a:solidFill>
+                <a:highlight>
+                  <a:srgbClr val="C00002"/>
+                </a:highlight>
+              </a:rPr>
+              <a:t> </a:t>
+            </a:r>
+            <a:r>
+              <a:rPr lang="en-US" sz="4000" dirty="0"/>
+              <a:t>in which matters of Oral Torah were briefly summarized, and in it was written:…”</a:t>
+            </a:r>
+          </a:p>
+        </p:txBody>
+      </p:sp>
+      <p:sp>
+        <p:nvSpPr>
+          <p:cNvPr id="4" name="TextBox 3">
+            <a:extLst>
+              <a:ext uri="{FF2B5EF4-FFF2-40B4-BE49-F238E27FC236}">
+                <a16:creationId xmlns:a16="http://schemas.microsoft.com/office/drawing/2014/main" id="{D9D09682-4714-2740-8C41-23070EBB5BEB}"/>
+              </a:ext>
+            </a:extLst>
+          </p:cNvPr>
+          <p:cNvSpPr txBox="1"/>
+          <p:nvPr/>
+        </p:nvSpPr>
+        <p:spPr>
+          <a:xfrm>
+            <a:off x="114300" y="4495800"/>
+            <a:ext cx="9029700" cy="707886"/>
+          </a:xfrm>
+          <a:prstGeom prst="rect">
+            <a:avLst/>
+          </a:prstGeom>
+          <a:noFill/>
+        </p:spPr>
+        <p:txBody>
+          <a:bodyPr wrap="square" lIns="0" rtlCol="0">
+            <a:spAutoFit/>
+          </a:bodyPr>
+          <a:lstStyle/>
+          <a:p>
+            <a:r>
+              <a:rPr lang="en-US" sz="4000" i="1" dirty="0">
+                <a:solidFill>
+                  <a:srgbClr val="009EC0"/>
+                </a:solidFill>
+              </a:rPr>
+              <a:t>Shabbat 6b:7</a:t>
+            </a:r>
+          </a:p>
+        </p:txBody>
+      </p:sp>
+    </p:spTree>
+    <p:extLst>
+      <p:ext uri="{BB962C8B-B14F-4D97-AF65-F5344CB8AC3E}">
+        <p14:creationId xmlns:p14="http://schemas.microsoft.com/office/powerpoint/2010/main" val="151849900"/>
+      </p:ext>
+    </p:extLst>
+  </p:cSld>
+  <p:clrMapOvr>
+    <a:masterClrMapping/>
+  </p:clrMapOvr>
+</p:sld>
+</file>
+
+<file path=ppt/slides/slide16.xml><?xml version="1.0" encoding="utf-8"?>
+<p:sld xmlns:a="http://schemas.openxmlformats.org/drawingml/2006/main" xmlns:r="http://schemas.openxmlformats.org/officeDocument/2006/relationships" xmlns:p="http://schemas.openxmlformats.org/presentationml/2006/main">
+  <p:cSld>
+    <p:spTree>
+      <p:nvGrpSpPr>
+        <p:cNvPr id="1" name=""/>
+        <p:cNvGrpSpPr/>
+        <p:nvPr/>
+      </p:nvGrpSpPr>
+      <p:grpSpPr>
+        <a:xfrm>
+          <a:off x="0" y="0"/>
+          <a:ext cx="0" cy="0"/>
+          <a:chOff x="0" y="0"/>
+          <a:chExt cx="0" cy="0"/>
+        </a:xfrm>
+      </p:grpSpPr>
+      <p:sp>
+        <p:nvSpPr>
+          <p:cNvPr id="2" name="Title 1">
+            <a:extLst>
+              <a:ext uri="{FF2B5EF4-FFF2-40B4-BE49-F238E27FC236}">
                 <a16:creationId xmlns:a16="http://schemas.microsoft.com/office/drawing/2014/main" id="{2D6FA639-F454-A749-AF31-C2771523B392}"/>
               </a:ext>
             </a:extLst>
@@ -8052,6 +8167,1146 @@
 </file>
 
 <file path=ppt/slides/slide2.xml><?xml version="1.0" encoding="utf-8"?>
+<p:sld xmlns:a="http://schemas.openxmlformats.org/drawingml/2006/main" xmlns:r="http://schemas.openxmlformats.org/officeDocument/2006/relationships" xmlns:p="http://schemas.openxmlformats.org/presentationml/2006/main">
+  <p:cSld>
+    <p:spTree>
+      <p:nvGrpSpPr>
+        <p:cNvPr id="1" name=""/>
+        <p:cNvGrpSpPr/>
+        <p:nvPr/>
+      </p:nvGrpSpPr>
+      <p:grpSpPr>
+        <a:xfrm>
+          <a:off x="0" y="0"/>
+          <a:ext cx="0" cy="0"/>
+          <a:chOff x="0" y="0"/>
+          <a:chExt cx="0" cy="0"/>
+        </a:xfrm>
+      </p:grpSpPr>
+      <p:sp>
+        <p:nvSpPr>
+          <p:cNvPr id="6" name="TextBox 5"/>
+          <p:cNvSpPr txBox="1"/>
+          <p:nvPr/>
+        </p:nvSpPr>
+        <p:spPr>
+          <a:xfrm>
+            <a:off x="228600" y="152400"/>
+            <a:ext cx="8610600" cy="769441"/>
+          </a:xfrm>
+          <a:prstGeom prst="rect">
+            <a:avLst/>
+          </a:prstGeom>
+          <a:noFill/>
+        </p:spPr>
+        <p:txBody>
+          <a:bodyPr wrap="square" rtlCol="0">
+            <a:spAutoFit/>
+          </a:bodyPr>
+          <a:lstStyle/>
+          <a:p>
+            <a:r>
+              <a:rPr lang="en-US" sz="4400" b="1" dirty="0"/>
+              <a:t>Key Takeaways (review)</a:t>
+            </a:r>
+          </a:p>
+        </p:txBody>
+      </p:sp>
+      <p:cxnSp>
+        <p:nvCxnSpPr>
+          <p:cNvPr id="8" name="Straight Connector 7">
+            <a:extLst>
+              <a:ext uri="{FF2B5EF4-FFF2-40B4-BE49-F238E27FC236}">
+                <a16:creationId xmlns:a16="http://schemas.microsoft.com/office/drawing/2014/main" id="{B1CE1C68-C736-2F42-AD3D-29FCB9A69CAD}"/>
+              </a:ext>
+            </a:extLst>
+          </p:cNvPr>
+          <p:cNvCxnSpPr>
+            <a:cxnSpLocks/>
+          </p:cNvCxnSpPr>
+          <p:nvPr/>
+        </p:nvCxnSpPr>
+        <p:spPr>
+          <a:xfrm>
+            <a:off x="304800" y="1066800"/>
+            <a:ext cx="8534400" cy="0"/>
+          </a:xfrm>
+          <a:prstGeom prst="line">
+            <a:avLst/>
+          </a:prstGeom>
+          <a:ln w="76200">
+            <a:solidFill>
+              <a:srgbClr val="009EC0"/>
+            </a:solidFill>
+          </a:ln>
+        </p:spPr>
+        <p:style>
+          <a:lnRef idx="1">
+            <a:schemeClr val="dk1"/>
+          </a:lnRef>
+          <a:fillRef idx="0">
+            <a:schemeClr val="dk1"/>
+          </a:fillRef>
+          <a:effectRef idx="0">
+            <a:schemeClr val="dk1"/>
+          </a:effectRef>
+          <a:fontRef idx="minor">
+            <a:schemeClr val="tx1"/>
+          </a:fontRef>
+        </p:style>
+      </p:cxnSp>
+      <p:grpSp>
+        <p:nvGrpSpPr>
+          <p:cNvPr id="20" name="Group 19">
+            <a:extLst>
+              <a:ext uri="{FF2B5EF4-FFF2-40B4-BE49-F238E27FC236}">
+                <a16:creationId xmlns:a16="http://schemas.microsoft.com/office/drawing/2014/main" id="{B100491B-5E94-7844-8A89-03E52214B0F2}"/>
+              </a:ext>
+            </a:extLst>
+          </p:cNvPr>
+          <p:cNvGrpSpPr/>
+          <p:nvPr/>
+        </p:nvGrpSpPr>
+        <p:grpSpPr>
+          <a:xfrm>
+            <a:off x="533400" y="2895600"/>
+            <a:ext cx="8001000" cy="685800"/>
+            <a:chOff x="533400" y="2895600"/>
+            <a:chExt cx="8001000" cy="685800"/>
+          </a:xfrm>
+        </p:grpSpPr>
+        <p:sp>
+          <p:nvSpPr>
+            <p:cNvPr id="21" name="Oval 20">
+              <a:extLst>
+                <a:ext uri="{FF2B5EF4-FFF2-40B4-BE49-F238E27FC236}">
+                  <a16:creationId xmlns:a16="http://schemas.microsoft.com/office/drawing/2014/main" id="{2D793611-2002-2941-A1A3-9144CD2357AF}"/>
+                </a:ext>
+              </a:extLst>
+            </p:cNvPr>
+            <p:cNvSpPr/>
+            <p:nvPr/>
+          </p:nvSpPr>
+          <p:spPr>
+            <a:xfrm>
+              <a:off x="533400" y="2895600"/>
+              <a:ext cx="685800" cy="685800"/>
+            </a:xfrm>
+            <a:prstGeom prst="ellipse">
+              <a:avLst/>
+            </a:prstGeom>
+            <a:solidFill>
+              <a:srgbClr val="009EC0"/>
+            </a:solidFill>
+            <a:ln>
+              <a:noFill/>
+            </a:ln>
+          </p:spPr>
+          <p:style>
+            <a:lnRef idx="2">
+              <a:schemeClr val="accent1">
+                <a:shade val="50000"/>
+              </a:schemeClr>
+            </a:lnRef>
+            <a:fillRef idx="1">
+              <a:schemeClr val="accent1"/>
+            </a:fillRef>
+            <a:effectRef idx="0">
+              <a:schemeClr val="accent1"/>
+            </a:effectRef>
+            <a:fontRef idx="minor">
+              <a:schemeClr val="lt1"/>
+            </a:fontRef>
+          </p:style>
+          <p:txBody>
+            <a:bodyPr rtlCol="0" anchor="ctr"/>
+            <a:lstStyle/>
+            <a:p>
+              <a:pPr algn="ctr"/>
+              <a:r>
+                <a:rPr lang="en-US" sz="2800" dirty="0">
+                  <a:solidFill>
+                    <a:schemeClr val="tx1"/>
+                  </a:solidFill>
+                </a:rPr>
+                <a:t>2</a:t>
+              </a:r>
+            </a:p>
+          </p:txBody>
+        </p:sp>
+        <p:sp>
+          <p:nvSpPr>
+            <p:cNvPr id="22" name="Rectangle 21">
+              <a:extLst>
+                <a:ext uri="{FF2B5EF4-FFF2-40B4-BE49-F238E27FC236}">
+                  <a16:creationId xmlns:a16="http://schemas.microsoft.com/office/drawing/2014/main" id="{4CEEE6E8-900F-7442-88A0-C55E4ED2151E}"/>
+                </a:ext>
+              </a:extLst>
+            </p:cNvPr>
+            <p:cNvSpPr/>
+            <p:nvPr/>
+          </p:nvSpPr>
+          <p:spPr>
+            <a:xfrm>
+              <a:off x="1447800" y="2895600"/>
+              <a:ext cx="7086600" cy="685800"/>
+            </a:xfrm>
+            <a:prstGeom prst="rect">
+              <a:avLst/>
+            </a:prstGeom>
+            <a:noFill/>
+            <a:ln>
+              <a:noFill/>
+            </a:ln>
+          </p:spPr>
+          <p:style>
+            <a:lnRef idx="2">
+              <a:schemeClr val="accent1">
+                <a:shade val="50000"/>
+              </a:schemeClr>
+            </a:lnRef>
+            <a:fillRef idx="1">
+              <a:schemeClr val="accent1"/>
+            </a:fillRef>
+            <a:effectRef idx="0">
+              <a:schemeClr val="accent1"/>
+            </a:effectRef>
+            <a:fontRef idx="minor">
+              <a:schemeClr val="lt1"/>
+            </a:fontRef>
+          </p:style>
+          <p:txBody>
+            <a:bodyPr rtlCol="0" anchor="ctr"/>
+            <a:lstStyle/>
+            <a:p>
+              <a:r>
+                <a:rPr lang="en-US" sz="2400" dirty="0">
+                  <a:solidFill>
+                    <a:schemeClr val="tx1"/>
+                  </a:solidFill>
+                </a:rPr>
+                <a:t>New Testament documents are </a:t>
+              </a:r>
+              <a:r>
+                <a:rPr lang="en-US" sz="2400" dirty="0">
+                  <a:solidFill>
+                    <a:schemeClr val="tx1"/>
+                  </a:solidFill>
+                  <a:highlight>
+                    <a:srgbClr val="C00002"/>
+                  </a:highlight>
+                </a:rPr>
+                <a:t> </a:t>
+              </a:r>
+              <a:r>
+                <a:rPr lang="en-US" sz="2400" b="1" dirty="0">
+                  <a:solidFill>
+                    <a:schemeClr val="tx1"/>
+                  </a:solidFill>
+                  <a:highlight>
+                    <a:srgbClr val="C00002"/>
+                  </a:highlight>
+                </a:rPr>
+                <a:t>Apostolic</a:t>
+              </a:r>
+              <a:endParaRPr lang="en-US" sz="2400" dirty="0">
+                <a:solidFill>
+                  <a:schemeClr val="tx1"/>
+                </a:solidFill>
+              </a:endParaRPr>
+            </a:p>
+          </p:txBody>
+        </p:sp>
+      </p:grpSp>
+      <p:grpSp>
+        <p:nvGrpSpPr>
+          <p:cNvPr id="23" name="Group 22">
+            <a:extLst>
+              <a:ext uri="{FF2B5EF4-FFF2-40B4-BE49-F238E27FC236}">
+                <a16:creationId xmlns:a16="http://schemas.microsoft.com/office/drawing/2014/main" id="{1156D6FF-8EAC-C64C-BABB-BFFBADB3F192}"/>
+              </a:ext>
+            </a:extLst>
+          </p:cNvPr>
+          <p:cNvGrpSpPr/>
+          <p:nvPr/>
+        </p:nvGrpSpPr>
+        <p:grpSpPr>
+          <a:xfrm>
+            <a:off x="533400" y="1833265"/>
+            <a:ext cx="8001000" cy="685800"/>
+            <a:chOff x="533400" y="1833265"/>
+            <a:chExt cx="8001000" cy="685800"/>
+          </a:xfrm>
+        </p:grpSpPr>
+        <p:sp>
+          <p:nvSpPr>
+            <p:cNvPr id="24" name="Oval 23">
+              <a:extLst>
+                <a:ext uri="{FF2B5EF4-FFF2-40B4-BE49-F238E27FC236}">
+                  <a16:creationId xmlns:a16="http://schemas.microsoft.com/office/drawing/2014/main" id="{DC2DA44D-2304-E94C-A639-94628468A4D6}"/>
+                </a:ext>
+              </a:extLst>
+            </p:cNvPr>
+            <p:cNvSpPr/>
+            <p:nvPr/>
+          </p:nvSpPr>
+          <p:spPr>
+            <a:xfrm>
+              <a:off x="533400" y="1833265"/>
+              <a:ext cx="685800" cy="685800"/>
+            </a:xfrm>
+            <a:prstGeom prst="ellipse">
+              <a:avLst/>
+            </a:prstGeom>
+            <a:solidFill>
+              <a:srgbClr val="009EC0"/>
+            </a:solidFill>
+            <a:ln>
+              <a:noFill/>
+            </a:ln>
+          </p:spPr>
+          <p:style>
+            <a:lnRef idx="2">
+              <a:schemeClr val="accent1">
+                <a:shade val="50000"/>
+              </a:schemeClr>
+            </a:lnRef>
+            <a:fillRef idx="1">
+              <a:schemeClr val="accent1"/>
+            </a:fillRef>
+            <a:effectRef idx="0">
+              <a:schemeClr val="accent1"/>
+            </a:effectRef>
+            <a:fontRef idx="minor">
+              <a:schemeClr val="lt1"/>
+            </a:fontRef>
+          </p:style>
+          <p:txBody>
+            <a:bodyPr rtlCol="0" anchor="ctr"/>
+            <a:lstStyle/>
+            <a:p>
+              <a:pPr algn="ctr"/>
+              <a:r>
+                <a:rPr lang="en-US" sz="2800" dirty="0">
+                  <a:solidFill>
+                    <a:schemeClr val="tx1"/>
+                  </a:solidFill>
+                </a:rPr>
+                <a:t>1</a:t>
+              </a:r>
+            </a:p>
+          </p:txBody>
+        </p:sp>
+        <p:sp>
+          <p:nvSpPr>
+            <p:cNvPr id="25" name="Rectangle 24">
+              <a:extLst>
+                <a:ext uri="{FF2B5EF4-FFF2-40B4-BE49-F238E27FC236}">
+                  <a16:creationId xmlns:a16="http://schemas.microsoft.com/office/drawing/2014/main" id="{E47BC561-7239-1249-9695-F8CA0F33404D}"/>
+                </a:ext>
+              </a:extLst>
+            </p:cNvPr>
+            <p:cNvSpPr/>
+            <p:nvPr/>
+          </p:nvSpPr>
+          <p:spPr>
+            <a:xfrm>
+              <a:off x="1447800" y="1833265"/>
+              <a:ext cx="7086600" cy="685800"/>
+            </a:xfrm>
+            <a:prstGeom prst="rect">
+              <a:avLst/>
+            </a:prstGeom>
+            <a:noFill/>
+            <a:ln>
+              <a:noFill/>
+            </a:ln>
+          </p:spPr>
+          <p:style>
+            <a:lnRef idx="2">
+              <a:schemeClr val="accent1">
+                <a:shade val="50000"/>
+              </a:schemeClr>
+            </a:lnRef>
+            <a:fillRef idx="1">
+              <a:schemeClr val="accent1"/>
+            </a:fillRef>
+            <a:effectRef idx="0">
+              <a:schemeClr val="accent1"/>
+            </a:effectRef>
+            <a:fontRef idx="minor">
+              <a:schemeClr val="lt1"/>
+            </a:fontRef>
+          </p:style>
+          <p:txBody>
+            <a:bodyPr rtlCol="0" anchor="ctr"/>
+            <a:lstStyle/>
+            <a:p>
+              <a:r>
+                <a:rPr lang="en-US" sz="2400" dirty="0">
+                  <a:solidFill>
+                    <a:schemeClr val="tx1"/>
+                  </a:solidFill>
+                </a:rPr>
+                <a:t>New Testament documents are </a:t>
+              </a:r>
+              <a:r>
+                <a:rPr lang="en-US" sz="2400" dirty="0">
+                  <a:solidFill>
+                    <a:schemeClr val="tx1"/>
+                  </a:solidFill>
+                  <a:highlight>
+                    <a:srgbClr val="C00002"/>
+                  </a:highlight>
+                </a:rPr>
+                <a:t> </a:t>
+              </a:r>
+              <a:r>
+                <a:rPr lang="en-US" sz="2400" b="1" dirty="0">
+                  <a:solidFill>
+                    <a:schemeClr val="tx1"/>
+                  </a:solidFill>
+                  <a:highlight>
+                    <a:srgbClr val="C00002"/>
+                  </a:highlight>
+                </a:rPr>
+                <a:t>the earliest </a:t>
+              </a:r>
+              <a:r>
+                <a:rPr lang="en-US" sz="2400" b="1" dirty="0">
+                  <a:solidFill>
+                    <a:schemeClr val="tx1"/>
+                  </a:solidFill>
+                </a:rPr>
+                <a:t> </a:t>
+              </a:r>
+              <a:r>
+                <a:rPr lang="en-US" sz="2400" dirty="0">
+                  <a:solidFill>
+                    <a:schemeClr val="tx1"/>
+                  </a:solidFill>
+                </a:rPr>
+                <a:t>Christian writings we have</a:t>
+              </a:r>
+            </a:p>
+          </p:txBody>
+        </p:sp>
+      </p:grpSp>
+      <p:grpSp>
+        <p:nvGrpSpPr>
+          <p:cNvPr id="26" name="Group 25">
+            <a:extLst>
+              <a:ext uri="{FF2B5EF4-FFF2-40B4-BE49-F238E27FC236}">
+                <a16:creationId xmlns:a16="http://schemas.microsoft.com/office/drawing/2014/main" id="{82BAC807-49F5-6C42-9A21-3EFF2F7E7984}"/>
+              </a:ext>
+            </a:extLst>
+          </p:cNvPr>
+          <p:cNvGrpSpPr/>
+          <p:nvPr/>
+        </p:nvGrpSpPr>
+        <p:grpSpPr>
+          <a:xfrm>
+            <a:off x="533400" y="3957935"/>
+            <a:ext cx="8001000" cy="685800"/>
+            <a:chOff x="533400" y="2895600"/>
+            <a:chExt cx="8001000" cy="685800"/>
+          </a:xfrm>
+        </p:grpSpPr>
+        <p:sp>
+          <p:nvSpPr>
+            <p:cNvPr id="27" name="Oval 26">
+              <a:extLst>
+                <a:ext uri="{FF2B5EF4-FFF2-40B4-BE49-F238E27FC236}">
+                  <a16:creationId xmlns:a16="http://schemas.microsoft.com/office/drawing/2014/main" id="{36C7B09C-EC0C-9649-AAD3-623AA1D84237}"/>
+                </a:ext>
+              </a:extLst>
+            </p:cNvPr>
+            <p:cNvSpPr/>
+            <p:nvPr/>
+          </p:nvSpPr>
+          <p:spPr>
+            <a:xfrm>
+              <a:off x="533400" y="2895600"/>
+              <a:ext cx="685800" cy="685800"/>
+            </a:xfrm>
+            <a:prstGeom prst="ellipse">
+              <a:avLst/>
+            </a:prstGeom>
+            <a:solidFill>
+              <a:srgbClr val="009EC0"/>
+            </a:solidFill>
+            <a:ln>
+              <a:noFill/>
+            </a:ln>
+          </p:spPr>
+          <p:style>
+            <a:lnRef idx="2">
+              <a:schemeClr val="accent1">
+                <a:shade val="50000"/>
+              </a:schemeClr>
+            </a:lnRef>
+            <a:fillRef idx="1">
+              <a:schemeClr val="accent1"/>
+            </a:fillRef>
+            <a:effectRef idx="0">
+              <a:schemeClr val="accent1"/>
+            </a:effectRef>
+            <a:fontRef idx="minor">
+              <a:schemeClr val="lt1"/>
+            </a:fontRef>
+          </p:style>
+          <p:txBody>
+            <a:bodyPr rtlCol="0" anchor="ctr"/>
+            <a:lstStyle/>
+            <a:p>
+              <a:pPr algn="ctr"/>
+              <a:r>
+                <a:rPr lang="en-US" sz="2800" dirty="0">
+                  <a:solidFill>
+                    <a:schemeClr val="tx1"/>
+                  </a:solidFill>
+                </a:rPr>
+                <a:t>3</a:t>
+              </a:r>
+            </a:p>
+          </p:txBody>
+        </p:sp>
+        <p:sp>
+          <p:nvSpPr>
+            <p:cNvPr id="28" name="Rectangle 27">
+              <a:extLst>
+                <a:ext uri="{FF2B5EF4-FFF2-40B4-BE49-F238E27FC236}">
+                  <a16:creationId xmlns:a16="http://schemas.microsoft.com/office/drawing/2014/main" id="{6865C23F-BB43-594E-BFE8-0CE81B887646}"/>
+                </a:ext>
+              </a:extLst>
+            </p:cNvPr>
+            <p:cNvSpPr/>
+            <p:nvPr/>
+          </p:nvSpPr>
+          <p:spPr>
+            <a:xfrm>
+              <a:off x="1447800" y="2895600"/>
+              <a:ext cx="7086600" cy="685800"/>
+            </a:xfrm>
+            <a:prstGeom prst="rect">
+              <a:avLst/>
+            </a:prstGeom>
+            <a:noFill/>
+            <a:ln>
+              <a:noFill/>
+            </a:ln>
+          </p:spPr>
+          <p:style>
+            <a:lnRef idx="2">
+              <a:schemeClr val="accent1">
+                <a:shade val="50000"/>
+              </a:schemeClr>
+            </a:lnRef>
+            <a:fillRef idx="1">
+              <a:schemeClr val="accent1"/>
+            </a:fillRef>
+            <a:effectRef idx="0">
+              <a:schemeClr val="accent1"/>
+            </a:effectRef>
+            <a:fontRef idx="minor">
+              <a:schemeClr val="lt1"/>
+            </a:fontRef>
+          </p:style>
+          <p:txBody>
+            <a:bodyPr rtlCol="0" anchor="ctr"/>
+            <a:lstStyle/>
+            <a:p>
+              <a:r>
+                <a:rPr lang="en-US" sz="2400" dirty="0">
+                  <a:solidFill>
+                    <a:schemeClr val="tx1"/>
+                  </a:solidFill>
+                </a:rPr>
+                <a:t>New Testament documents were </a:t>
+              </a:r>
+              <a:r>
+                <a:rPr lang="en-US" sz="2400" dirty="0">
+                  <a:solidFill>
+                    <a:schemeClr val="tx1"/>
+                  </a:solidFill>
+                  <a:highlight>
+                    <a:srgbClr val="C00002"/>
+                  </a:highlight>
+                </a:rPr>
+                <a:t> </a:t>
+              </a:r>
+              <a:r>
+                <a:rPr lang="en-US" sz="2400" b="1" i="1" dirty="0">
+                  <a:solidFill>
+                    <a:schemeClr val="tx1"/>
+                  </a:solidFill>
+                  <a:highlight>
+                    <a:srgbClr val="C00002"/>
+                  </a:highlight>
+                </a:rPr>
+                <a:t>not</a:t>
+              </a:r>
+              <a:r>
+                <a:rPr lang="en-US" sz="2400" b="1" dirty="0">
+                  <a:solidFill>
+                    <a:schemeClr val="tx1"/>
+                  </a:solidFill>
+                  <a:highlight>
+                    <a:srgbClr val="C00002"/>
+                  </a:highlight>
+                </a:rPr>
+                <a:t> chosen at a council </a:t>
+              </a:r>
+              <a:r>
+                <a:rPr lang="en-US" sz="2400" b="1" dirty="0">
+                  <a:solidFill>
+                    <a:schemeClr val="tx1"/>
+                  </a:solidFill>
+                </a:rPr>
+                <a:t> </a:t>
+              </a:r>
+              <a:r>
+                <a:rPr lang="en-US" sz="2400" dirty="0">
+                  <a:solidFill>
+                    <a:schemeClr val="tx1"/>
+                  </a:solidFill>
+                </a:rPr>
+                <a:t>(i.e. </a:t>
+              </a:r>
+              <a:r>
+                <a:rPr lang="en-US" sz="2400" dirty="0" err="1">
+                  <a:solidFill>
+                    <a:schemeClr val="tx1"/>
+                  </a:solidFill>
+                </a:rPr>
+                <a:t>Nicea</a:t>
+              </a:r>
+              <a:r>
+                <a:rPr lang="en-US" sz="2400" dirty="0">
+                  <a:solidFill>
+                    <a:schemeClr val="tx1"/>
+                  </a:solidFill>
+                </a:rPr>
+                <a:t>)</a:t>
+              </a:r>
+            </a:p>
+          </p:txBody>
+        </p:sp>
+      </p:grpSp>
+      <p:grpSp>
+        <p:nvGrpSpPr>
+          <p:cNvPr id="29" name="Group 28">
+            <a:extLst>
+              <a:ext uri="{FF2B5EF4-FFF2-40B4-BE49-F238E27FC236}">
+                <a16:creationId xmlns:a16="http://schemas.microsoft.com/office/drawing/2014/main" id="{7CE2B72D-36BA-944E-95CB-921A47E4FEBE}"/>
+              </a:ext>
+            </a:extLst>
+          </p:cNvPr>
+          <p:cNvGrpSpPr/>
+          <p:nvPr/>
+        </p:nvGrpSpPr>
+        <p:grpSpPr>
+          <a:xfrm>
+            <a:off x="533400" y="5020270"/>
+            <a:ext cx="8001000" cy="685800"/>
+            <a:chOff x="533400" y="2895600"/>
+            <a:chExt cx="8001000" cy="685800"/>
+          </a:xfrm>
+        </p:grpSpPr>
+        <p:sp>
+          <p:nvSpPr>
+            <p:cNvPr id="30" name="Oval 29">
+              <a:extLst>
+                <a:ext uri="{FF2B5EF4-FFF2-40B4-BE49-F238E27FC236}">
+                  <a16:creationId xmlns:a16="http://schemas.microsoft.com/office/drawing/2014/main" id="{BED4D22F-AFF5-DA45-823F-644D4A40EC4B}"/>
+                </a:ext>
+              </a:extLst>
+            </p:cNvPr>
+            <p:cNvSpPr/>
+            <p:nvPr/>
+          </p:nvSpPr>
+          <p:spPr>
+            <a:xfrm>
+              <a:off x="533400" y="2895600"/>
+              <a:ext cx="685800" cy="685800"/>
+            </a:xfrm>
+            <a:prstGeom prst="ellipse">
+              <a:avLst/>
+            </a:prstGeom>
+            <a:solidFill>
+              <a:srgbClr val="009EC0"/>
+            </a:solidFill>
+            <a:ln>
+              <a:noFill/>
+            </a:ln>
+          </p:spPr>
+          <p:style>
+            <a:lnRef idx="2">
+              <a:schemeClr val="accent1">
+                <a:shade val="50000"/>
+              </a:schemeClr>
+            </a:lnRef>
+            <a:fillRef idx="1">
+              <a:schemeClr val="accent1"/>
+            </a:fillRef>
+            <a:effectRef idx="0">
+              <a:schemeClr val="accent1"/>
+            </a:effectRef>
+            <a:fontRef idx="minor">
+              <a:schemeClr val="lt1"/>
+            </a:fontRef>
+          </p:style>
+          <p:txBody>
+            <a:bodyPr rtlCol="0" anchor="ctr"/>
+            <a:lstStyle/>
+            <a:p>
+              <a:pPr algn="ctr"/>
+              <a:r>
+                <a:rPr lang="en-US" sz="2800" dirty="0">
+                  <a:solidFill>
+                    <a:schemeClr val="tx1"/>
+                  </a:solidFill>
+                </a:rPr>
+                <a:t>4</a:t>
+              </a:r>
+            </a:p>
+          </p:txBody>
+        </p:sp>
+        <p:sp>
+          <p:nvSpPr>
+            <p:cNvPr id="31" name="Rectangle 30">
+              <a:extLst>
+                <a:ext uri="{FF2B5EF4-FFF2-40B4-BE49-F238E27FC236}">
+                  <a16:creationId xmlns:a16="http://schemas.microsoft.com/office/drawing/2014/main" id="{6101C9B6-347E-A543-ADD1-8E8CB009F623}"/>
+                </a:ext>
+              </a:extLst>
+            </p:cNvPr>
+            <p:cNvSpPr/>
+            <p:nvPr/>
+          </p:nvSpPr>
+          <p:spPr>
+            <a:xfrm>
+              <a:off x="1447800" y="2895600"/>
+              <a:ext cx="7086600" cy="685800"/>
+            </a:xfrm>
+            <a:prstGeom prst="rect">
+              <a:avLst/>
+            </a:prstGeom>
+            <a:noFill/>
+            <a:ln>
+              <a:noFill/>
+            </a:ln>
+          </p:spPr>
+          <p:style>
+            <a:lnRef idx="2">
+              <a:schemeClr val="accent1">
+                <a:shade val="50000"/>
+              </a:schemeClr>
+            </a:lnRef>
+            <a:fillRef idx="1">
+              <a:schemeClr val="accent1"/>
+            </a:fillRef>
+            <a:effectRef idx="0">
+              <a:schemeClr val="accent1"/>
+            </a:effectRef>
+            <a:fontRef idx="minor">
+              <a:schemeClr val="lt1"/>
+            </a:fontRef>
+          </p:style>
+          <p:txBody>
+            <a:bodyPr rtlCol="0" anchor="ctr"/>
+            <a:lstStyle/>
+            <a:p>
+              <a:r>
+                <a:rPr lang="en-US" sz="2400" dirty="0">
+                  <a:solidFill>
+                    <a:schemeClr val="tx1"/>
+                  </a:solidFill>
+                </a:rPr>
+                <a:t>New Testament documents are </a:t>
+              </a:r>
+              <a:r>
+                <a:rPr lang="en-US" sz="2400" dirty="0">
+                  <a:solidFill>
+                    <a:schemeClr val="tx1"/>
+                  </a:solidFill>
+                  <a:highlight>
+                    <a:srgbClr val="C00002"/>
+                  </a:highlight>
+                </a:rPr>
+                <a:t> </a:t>
+              </a:r>
+              <a:r>
+                <a:rPr lang="en-US" sz="2400" b="1" dirty="0">
+                  <a:solidFill>
+                    <a:schemeClr val="tx1"/>
+                  </a:solidFill>
+                  <a:highlight>
+                    <a:srgbClr val="C00002"/>
+                  </a:highlight>
+                </a:rPr>
+                <a:t>self-authenticating</a:t>
+              </a:r>
+            </a:p>
+          </p:txBody>
+        </p:sp>
+      </p:grpSp>
+    </p:spTree>
+    <p:extLst>
+      <p:ext uri="{BB962C8B-B14F-4D97-AF65-F5344CB8AC3E}">
+        <p14:creationId xmlns:p14="http://schemas.microsoft.com/office/powerpoint/2010/main" val="3435344583"/>
+      </p:ext>
+    </p:extLst>
+  </p:cSld>
+  <p:clrMapOvr>
+    <a:masterClrMapping/>
+  </p:clrMapOvr>
+  <p:timing>
+    <p:tnLst>
+      <p:par>
+        <p:cTn id="1" dur="indefinite" restart="never" nodeType="tmRoot">
+          <p:childTnLst>
+            <p:seq concurrent="1" nextAc="seek">
+              <p:cTn id="2" dur="indefinite" nodeType="mainSeq">
+                <p:childTnLst>
+                  <p:par>
+                    <p:cTn id="3" fill="hold">
+                      <p:stCondLst>
+                        <p:cond delay="indefinite"/>
+                      </p:stCondLst>
+                      <p:childTnLst>
+                        <p:par>
+                          <p:cTn id="4" fill="hold">
+                            <p:stCondLst>
+                              <p:cond delay="0"/>
+                            </p:stCondLst>
+                            <p:childTnLst>
+                              <p:par>
+                                <p:cTn id="5" presetID="10" presetClass="entr" presetSubtype="0" fill="hold" grpId="0" nodeType="clickEffect">
+                                  <p:stCondLst>
+                                    <p:cond delay="0"/>
+                                  </p:stCondLst>
+                                  <p:childTnLst>
+                                    <p:set>
+                                      <p:cBhvr>
+                                        <p:cTn id="6" dur="1" fill="hold">
+                                          <p:stCondLst>
+                                            <p:cond delay="0"/>
+                                          </p:stCondLst>
+                                        </p:cTn>
+                                        <p:tgtEl>
+                                          <p:spTgt spid="6"/>
+                                        </p:tgtEl>
+                                        <p:attrNameLst>
+                                          <p:attrName>style.visibility</p:attrName>
+                                        </p:attrNameLst>
+                                      </p:cBhvr>
+                                      <p:to>
+                                        <p:strVal val="visible"/>
+                                      </p:to>
+                                    </p:set>
+                                    <p:animEffect transition="in" filter="fade">
+                                      <p:cBhvr>
+                                        <p:cTn id="7" dur="250"/>
+                                        <p:tgtEl>
+                                          <p:spTgt spid="6"/>
+                                        </p:tgtEl>
+                                      </p:cBhvr>
+                                    </p:animEffect>
+                                  </p:childTnLst>
+                                </p:cTn>
+                              </p:par>
+                            </p:childTnLst>
+                          </p:cTn>
+                        </p:par>
+                        <p:par>
+                          <p:cTn id="8" fill="hold">
+                            <p:stCondLst>
+                              <p:cond delay="250"/>
+                            </p:stCondLst>
+                            <p:childTnLst>
+                              <p:par>
+                                <p:cTn id="9" presetID="10" presetClass="entr" presetSubtype="0" fill="hold" nodeType="afterEffect">
+                                  <p:stCondLst>
+                                    <p:cond delay="0"/>
+                                  </p:stCondLst>
+                                  <p:childTnLst>
+                                    <p:set>
+                                      <p:cBhvr>
+                                        <p:cTn id="10" dur="1" fill="hold">
+                                          <p:stCondLst>
+                                            <p:cond delay="0"/>
+                                          </p:stCondLst>
+                                        </p:cTn>
+                                        <p:tgtEl>
+                                          <p:spTgt spid="8"/>
+                                        </p:tgtEl>
+                                        <p:attrNameLst>
+                                          <p:attrName>style.visibility</p:attrName>
+                                        </p:attrNameLst>
+                                      </p:cBhvr>
+                                      <p:to>
+                                        <p:strVal val="visible"/>
+                                      </p:to>
+                                    </p:set>
+                                    <p:animEffect transition="in" filter="fade">
+                                      <p:cBhvr>
+                                        <p:cTn id="11" dur="250"/>
+                                        <p:tgtEl>
+                                          <p:spTgt spid="8"/>
+                                        </p:tgtEl>
+                                      </p:cBhvr>
+                                    </p:animEffect>
+                                  </p:childTnLst>
+                                </p:cTn>
+                              </p:par>
+                            </p:childTnLst>
+                          </p:cTn>
+                        </p:par>
+                      </p:childTnLst>
+                    </p:cTn>
+                  </p:par>
+                  <p:par>
+                    <p:cTn id="12" fill="hold">
+                      <p:stCondLst>
+                        <p:cond delay="indefinite"/>
+                      </p:stCondLst>
+                      <p:childTnLst>
+                        <p:par>
+                          <p:cTn id="13" fill="hold">
+                            <p:stCondLst>
+                              <p:cond delay="0"/>
+                            </p:stCondLst>
+                            <p:childTnLst>
+                              <p:par>
+                                <p:cTn id="14" presetID="10" presetClass="entr" presetSubtype="0" fill="hold" nodeType="clickEffect">
+                                  <p:stCondLst>
+                                    <p:cond delay="0"/>
+                                  </p:stCondLst>
+                                  <p:childTnLst>
+                                    <p:set>
+                                      <p:cBhvr>
+                                        <p:cTn id="15" dur="1" fill="hold">
+                                          <p:stCondLst>
+                                            <p:cond delay="0"/>
+                                          </p:stCondLst>
+                                        </p:cTn>
+                                        <p:tgtEl>
+                                          <p:spTgt spid="23"/>
+                                        </p:tgtEl>
+                                        <p:attrNameLst>
+                                          <p:attrName>style.visibility</p:attrName>
+                                        </p:attrNameLst>
+                                      </p:cBhvr>
+                                      <p:to>
+                                        <p:strVal val="visible"/>
+                                      </p:to>
+                                    </p:set>
+                                    <p:animEffect transition="in" filter="fade">
+                                      <p:cBhvr>
+                                        <p:cTn id="16" dur="250"/>
+                                        <p:tgtEl>
+                                          <p:spTgt spid="23"/>
+                                        </p:tgtEl>
+                                      </p:cBhvr>
+                                    </p:animEffect>
+                                  </p:childTnLst>
+                                </p:cTn>
+                              </p:par>
+                            </p:childTnLst>
+                          </p:cTn>
+                        </p:par>
+                      </p:childTnLst>
+                    </p:cTn>
+                  </p:par>
+                  <p:par>
+                    <p:cTn id="17" fill="hold">
+                      <p:stCondLst>
+                        <p:cond delay="indefinite"/>
+                      </p:stCondLst>
+                      <p:childTnLst>
+                        <p:par>
+                          <p:cTn id="18" fill="hold">
+                            <p:stCondLst>
+                              <p:cond delay="0"/>
+                            </p:stCondLst>
+                            <p:childTnLst>
+                              <p:par>
+                                <p:cTn id="19" presetID="10" presetClass="entr" presetSubtype="0" fill="hold" nodeType="clickEffect">
+                                  <p:stCondLst>
+                                    <p:cond delay="0"/>
+                                  </p:stCondLst>
+                                  <p:childTnLst>
+                                    <p:set>
+                                      <p:cBhvr>
+                                        <p:cTn id="20" dur="1" fill="hold">
+                                          <p:stCondLst>
+                                            <p:cond delay="0"/>
+                                          </p:stCondLst>
+                                        </p:cTn>
+                                        <p:tgtEl>
+                                          <p:spTgt spid="20"/>
+                                        </p:tgtEl>
+                                        <p:attrNameLst>
+                                          <p:attrName>style.visibility</p:attrName>
+                                        </p:attrNameLst>
+                                      </p:cBhvr>
+                                      <p:to>
+                                        <p:strVal val="visible"/>
+                                      </p:to>
+                                    </p:set>
+                                    <p:animEffect transition="in" filter="fade">
+                                      <p:cBhvr>
+                                        <p:cTn id="21" dur="250"/>
+                                        <p:tgtEl>
+                                          <p:spTgt spid="20"/>
+                                        </p:tgtEl>
+                                      </p:cBhvr>
+                                    </p:animEffect>
+                                  </p:childTnLst>
+                                </p:cTn>
+                              </p:par>
+                            </p:childTnLst>
+                          </p:cTn>
+                        </p:par>
+                      </p:childTnLst>
+                    </p:cTn>
+                  </p:par>
+                  <p:par>
+                    <p:cTn id="22" fill="hold">
+                      <p:stCondLst>
+                        <p:cond delay="indefinite"/>
+                      </p:stCondLst>
+                      <p:childTnLst>
+                        <p:par>
+                          <p:cTn id="23" fill="hold">
+                            <p:stCondLst>
+                              <p:cond delay="0"/>
+                            </p:stCondLst>
+                            <p:childTnLst>
+                              <p:par>
+                                <p:cTn id="24" presetID="10" presetClass="entr" presetSubtype="0" fill="hold" nodeType="clickEffect">
+                                  <p:stCondLst>
+                                    <p:cond delay="0"/>
+                                  </p:stCondLst>
+                                  <p:childTnLst>
+                                    <p:set>
+                                      <p:cBhvr>
+                                        <p:cTn id="25" dur="1" fill="hold">
+                                          <p:stCondLst>
+                                            <p:cond delay="0"/>
+                                          </p:stCondLst>
+                                        </p:cTn>
+                                        <p:tgtEl>
+                                          <p:spTgt spid="26"/>
+                                        </p:tgtEl>
+                                        <p:attrNameLst>
+                                          <p:attrName>style.visibility</p:attrName>
+                                        </p:attrNameLst>
+                                      </p:cBhvr>
+                                      <p:to>
+                                        <p:strVal val="visible"/>
+                                      </p:to>
+                                    </p:set>
+                                    <p:animEffect transition="in" filter="fade">
+                                      <p:cBhvr>
+                                        <p:cTn id="26" dur="250"/>
+                                        <p:tgtEl>
+                                          <p:spTgt spid="26"/>
+                                        </p:tgtEl>
+                                      </p:cBhvr>
+                                    </p:animEffect>
+                                  </p:childTnLst>
+                                </p:cTn>
+                              </p:par>
+                            </p:childTnLst>
+                          </p:cTn>
+                        </p:par>
+                      </p:childTnLst>
+                    </p:cTn>
+                  </p:par>
+                  <p:par>
+                    <p:cTn id="27" fill="hold">
+                      <p:stCondLst>
+                        <p:cond delay="indefinite"/>
+                      </p:stCondLst>
+                      <p:childTnLst>
+                        <p:par>
+                          <p:cTn id="28" fill="hold">
+                            <p:stCondLst>
+                              <p:cond delay="0"/>
+                            </p:stCondLst>
+                            <p:childTnLst>
+                              <p:par>
+                                <p:cTn id="29" presetID="10" presetClass="entr" presetSubtype="0" fill="hold" nodeType="clickEffect">
+                                  <p:stCondLst>
+                                    <p:cond delay="0"/>
+                                  </p:stCondLst>
+                                  <p:childTnLst>
+                                    <p:set>
+                                      <p:cBhvr>
+                                        <p:cTn id="30" dur="1" fill="hold">
+                                          <p:stCondLst>
+                                            <p:cond delay="0"/>
+                                          </p:stCondLst>
+                                        </p:cTn>
+                                        <p:tgtEl>
+                                          <p:spTgt spid="29"/>
+                                        </p:tgtEl>
+                                        <p:attrNameLst>
+                                          <p:attrName>style.visibility</p:attrName>
+                                        </p:attrNameLst>
+                                      </p:cBhvr>
+                                      <p:to>
+                                        <p:strVal val="visible"/>
+                                      </p:to>
+                                    </p:set>
+                                    <p:animEffect transition="in" filter="fade">
+                                      <p:cBhvr>
+                                        <p:cTn id="31" dur="250"/>
+                                        <p:tgtEl>
+                                          <p:spTgt spid="29"/>
+                                        </p:tgtEl>
+                                      </p:cBhvr>
+                                    </p:animEffect>
+                                  </p:childTnLst>
+                                </p:cTn>
+                              </p:par>
+                            </p:childTnLst>
+                          </p:cTn>
+                        </p:par>
+                      </p:childTnLst>
+                    </p:cTn>
+                  </p:par>
+                </p:childTnLst>
+              </p:cTn>
+              <p:prevCondLst>
+                <p:cond evt="onPrev" delay="0">
+                  <p:tgtEl>
+                    <p:sldTgt/>
+                  </p:tgtEl>
+                </p:cond>
+              </p:prevCondLst>
+              <p:nextCondLst>
+                <p:cond evt="onNext" delay="0">
+                  <p:tgtEl>
+                    <p:sldTgt/>
+                  </p:tgtEl>
+                </p:cond>
+              </p:nextCondLst>
+            </p:seq>
+          </p:childTnLst>
+        </p:cTn>
+      </p:par>
+    </p:tnLst>
+    <p:bldLst>
+      <p:bldP spid="6" grpId="0"/>
+    </p:bldLst>
+  </p:timing>
+</p:sld>
+</file>
+
+<file path=ppt/slides/slide3.xml><?xml version="1.0" encoding="utf-8"?>
 <p:sld xmlns:a="http://schemas.openxmlformats.org/drawingml/2006/main" xmlns:r="http://schemas.openxmlformats.org/officeDocument/2006/relationships" xmlns:p="http://schemas.openxmlformats.org/presentationml/2006/main">
   <p:cSld>
     <p:spTree>
@@ -9860,7 +11115,7 @@
 </p:sld>
 </file>
 
-<file path=ppt/slides/slide3.xml><?xml version="1.0" encoding="utf-8"?>
+<file path=ppt/slides/slide4.xml><?xml version="1.0" encoding="utf-8"?>
 <p:sld xmlns:a="http://schemas.openxmlformats.org/drawingml/2006/main" xmlns:r="http://schemas.openxmlformats.org/officeDocument/2006/relationships" xmlns:p="http://schemas.openxmlformats.org/presentationml/2006/main">
   <p:cSld>
     <p:spTree>
@@ -10476,7 +11731,7 @@
 </p:sld>
 </file>
 
-<file path=ppt/slides/slide4.xml><?xml version="1.0" encoding="utf-8"?>
+<file path=ppt/slides/slide5.xml><?xml version="1.0" encoding="utf-8"?>
 <p:sld xmlns:a="http://schemas.openxmlformats.org/drawingml/2006/main" xmlns:r="http://schemas.openxmlformats.org/officeDocument/2006/relationships" xmlns:p="http://schemas.openxmlformats.org/presentationml/2006/main">
   <p:cSld>
     <p:spTree>
@@ -11161,167 +12416,6 @@
 </p:sld>
 </file>
 
-<file path=ppt/slides/slide5.xml><?xml version="1.0" encoding="utf-8"?>
-<p:sld xmlns:a="http://schemas.openxmlformats.org/drawingml/2006/main" xmlns:r="http://schemas.openxmlformats.org/officeDocument/2006/relationships" xmlns:p="http://schemas.openxmlformats.org/presentationml/2006/main">
-  <p:cSld>
-    <p:spTree>
-      <p:nvGrpSpPr>
-        <p:cNvPr id="1" name=""/>
-        <p:cNvGrpSpPr/>
-        <p:nvPr/>
-      </p:nvGrpSpPr>
-      <p:grpSpPr>
-        <a:xfrm>
-          <a:off x="0" y="0"/>
-          <a:ext cx="0" cy="0"/>
-          <a:chOff x="0" y="0"/>
-          <a:chExt cx="0" cy="0"/>
-        </a:xfrm>
-      </p:grpSpPr>
-      <p:sp>
-        <p:nvSpPr>
-          <p:cNvPr id="2" name="Title 1">
-            <a:extLst>
-              <a:ext uri="{FF2B5EF4-FFF2-40B4-BE49-F238E27FC236}">
-                <a16:creationId xmlns:a16="http://schemas.microsoft.com/office/drawing/2014/main" id="{C8F392D1-A4F5-744A-9239-99BC6612F901}"/>
-              </a:ext>
-            </a:extLst>
-          </p:cNvPr>
-          <p:cNvSpPr>
-            <a:spLocks noGrp="1"/>
-          </p:cNvSpPr>
-          <p:nvPr>
-            <p:ph type="title"/>
-          </p:nvPr>
-        </p:nvSpPr>
-        <p:spPr>
-          <a:xfrm>
-            <a:off x="457200" y="152400"/>
-            <a:ext cx="8686800" cy="3962400"/>
-          </a:xfrm>
-        </p:spPr>
-        <p:txBody>
-          <a:bodyPr anchor="b" anchorCtr="0">
-            <a:normAutofit/>
-          </a:bodyPr>
-          <a:lstStyle/>
-          <a:p>
-            <a:pPr>
-              <a:tabLst>
-                <a:tab pos="91440" algn="l"/>
-              </a:tabLst>
-            </a:pPr>
-            <a:r>
-              <a:rPr lang="en-US" dirty="0"/>
-              <a:t>“Since it says: 'Speak unto the children of Israel and say unto them'(Lev. 1:2), I know only that he was to </a:t>
-            </a:r>
-            <a:r>
-              <a:rPr lang="en-US" dirty="0">
-                <a:highlight>
-                  <a:srgbClr val="C00002"/>
-                </a:highlight>
-              </a:rPr>
-              <a:t>tell them once</a:t>
-            </a:r>
-            <a:r>
-              <a:rPr lang="en-US" dirty="0"/>
-              <a:t>.”</a:t>
-            </a:r>
-          </a:p>
-        </p:txBody>
-      </p:sp>
-      <p:sp>
-        <p:nvSpPr>
-          <p:cNvPr id="3" name="Text Placeholder 2">
-            <a:extLst>
-              <a:ext uri="{FF2B5EF4-FFF2-40B4-BE49-F238E27FC236}">
-                <a16:creationId xmlns:a16="http://schemas.microsoft.com/office/drawing/2014/main" id="{D79591E0-89A3-7048-B1C5-91B4FFFB65C9}"/>
-              </a:ext>
-            </a:extLst>
-          </p:cNvPr>
-          <p:cNvSpPr>
-            <a:spLocks noGrp="1"/>
-          </p:cNvSpPr>
-          <p:nvPr>
-            <p:ph type="body" sz="quarter" idx="13"/>
-          </p:nvPr>
-        </p:nvSpPr>
-        <p:spPr>
-          <a:xfrm>
-            <a:off x="114300" y="4495800"/>
-            <a:ext cx="8915400" cy="1371600"/>
-          </a:xfrm>
-        </p:spPr>
-        <p:txBody>
-          <a:bodyPr>
-            <a:normAutofit/>
-          </a:bodyPr>
-          <a:lstStyle/>
-          <a:p>
-            <a:pPr algn="l"/>
-            <a:r>
-              <a:rPr lang="en-US" sz="4400" cap="all" dirty="0">
-                <a:solidFill>
-                  <a:srgbClr val="009EC0"/>
-                </a:solidFill>
-              </a:rPr>
-              <a:t>Rabbi </a:t>
-            </a:r>
-            <a:r>
-              <a:rPr lang="en-US" sz="4400" cap="all" dirty="0" err="1">
-                <a:solidFill>
-                  <a:srgbClr val="009EC0"/>
-                </a:solidFill>
-              </a:rPr>
-              <a:t>Aqiba</a:t>
-            </a:r>
-            <a:br>
-              <a:rPr lang="en-US" sz="4000" cap="all" dirty="0">
-                <a:solidFill>
-                  <a:srgbClr val="009EC0"/>
-                </a:solidFill>
-              </a:rPr>
-            </a:br>
-            <a:r>
-              <a:rPr lang="en-US" sz="4000" b="0" i="1" dirty="0">
-                <a:solidFill>
-                  <a:srgbClr val="009EC0"/>
-                </a:solidFill>
-              </a:rPr>
-              <a:t>Babylonian Talmud: </a:t>
-            </a:r>
-            <a:r>
-              <a:rPr lang="en-US" sz="4000" b="0" i="1" dirty="0" err="1">
-                <a:solidFill>
-                  <a:srgbClr val="009EC0"/>
-                </a:solidFill>
-              </a:rPr>
-              <a:t>Eruvin</a:t>
-            </a:r>
-            <a:r>
-              <a:rPr lang="en-US" sz="4000" b="0" i="1" dirty="0">
-                <a:solidFill>
-                  <a:srgbClr val="009EC0"/>
-                </a:solidFill>
-              </a:rPr>
-              <a:t> 54b</a:t>
-            </a:r>
-          </a:p>
-        </p:txBody>
-      </p:sp>
-    </p:spTree>
-    <p:extLst>
-      <p:ext uri="{BB962C8B-B14F-4D97-AF65-F5344CB8AC3E}">
-        <p14:creationId xmlns:p14="http://schemas.microsoft.com/office/powerpoint/2010/main" val="780680553"/>
-      </p:ext>
-    </p:extLst>
-  </p:cSld>
-  <p:clrMapOvr>
-    <a:masterClrMapping/>
-  </p:clrMapOvr>
-</p:sld>
-</file>
-
 <file path=ppt/slides/slide6.xml><?xml version="1.0" encoding="utf-8"?>
 <p:sld xmlns:a="http://schemas.openxmlformats.org/drawingml/2006/main" xmlns:r="http://schemas.openxmlformats.org/officeDocument/2006/relationships" xmlns:p="http://schemas.openxmlformats.org/presentationml/2006/main">
   <p:cSld>
@@ -11374,7 +12468,7 @@
             </a:pPr>
             <a:r>
               <a:rPr lang="en-US" dirty="0"/>
-              <a:t>“How do we know that he was to </a:t>
+              <a:t>“Since it says: 'Speak unto the children of Israel and say unto them'(Lev. 1:2), I know only that he was to </a:t>
             </a:r>
             <a:r>
               <a:rPr lang="en-US" dirty="0">
@@ -11382,93 +12476,46 @@
                   <a:srgbClr val="C00002"/>
                 </a:highlight>
               </a:rPr>
-              <a:t>repeat it to them a </a:t>
-            </a:r>
-            <a:r>
-              <a:rPr lang="en-US" u="sng" dirty="0">
-                <a:highlight>
-                  <a:srgbClr val="C00002"/>
-                </a:highlight>
-              </a:rPr>
-              <a:t>second</a:t>
-            </a:r>
-            <a:r>
-              <a:rPr lang="en-US" dirty="0">
-                <a:highlight>
-                  <a:srgbClr val="C00002"/>
-                </a:highlight>
-              </a:rPr>
-              <a:t>, a </a:t>
-            </a:r>
-            <a:r>
-              <a:rPr lang="en-US" u="sng" dirty="0">
-                <a:highlight>
-                  <a:srgbClr val="C00002"/>
-                </a:highlight>
-              </a:rPr>
-              <a:t>third</a:t>
-            </a:r>
-            <a:r>
-              <a:rPr lang="en-US" dirty="0">
-                <a:highlight>
-                  <a:srgbClr val="C00002"/>
-                </a:highlight>
-              </a:rPr>
-              <a:t> and a </a:t>
-            </a:r>
-            <a:r>
-              <a:rPr lang="en-US" u="sng" dirty="0">
-                <a:highlight>
-                  <a:srgbClr val="C00002"/>
-                </a:highlight>
-              </a:rPr>
-              <a:t>fourth</a:t>
-            </a:r>
-            <a:r>
-              <a:rPr lang="en-US" dirty="0">
-                <a:highlight>
-                  <a:srgbClr val="C00002"/>
-                </a:highlight>
-              </a:rPr>
-              <a:t> time until they learned it</a:t>
+              <a:t>tell them once</a:t>
             </a:r>
             <a:r>
               <a:rPr lang="en-US" dirty="0"/>
-              <a:t>? Scripture says: 'And teach thou it the children of Israel' (Deut. 31:19).”</a:t>
+              <a:t>.”</a:t>
             </a:r>
           </a:p>
         </p:txBody>
       </p:sp>
       <p:sp>
         <p:nvSpPr>
-          <p:cNvPr id="4" name="TextBox 3">
+          <p:cNvPr id="3" name="Text Placeholder 2">
             <a:extLst>
               <a:ext uri="{FF2B5EF4-FFF2-40B4-BE49-F238E27FC236}">
-                <a16:creationId xmlns:a16="http://schemas.microsoft.com/office/drawing/2014/main" id="{D9D09682-4714-2740-8C41-23070EBB5BEB}"/>
+                <a16:creationId xmlns:a16="http://schemas.microsoft.com/office/drawing/2014/main" id="{D79591E0-89A3-7048-B1C5-91B4FFFB65C9}"/>
               </a:ext>
             </a:extLst>
           </p:cNvPr>
-          <p:cNvSpPr txBox="1"/>
-          <p:nvPr/>
+          <p:cNvSpPr>
+            <a:spLocks noGrp="1"/>
+          </p:cNvSpPr>
+          <p:nvPr>
+            <p:ph type="body" sz="quarter" idx="13"/>
+          </p:nvPr>
         </p:nvSpPr>
         <p:spPr>
           <a:xfrm>
             <a:off x="114300" y="4495800"/>
-            <a:ext cx="9029700" cy="1384995"/>
+            <a:ext cx="8915400" cy="1371600"/>
           </a:xfrm>
-          <a:prstGeom prst="rect">
-            <a:avLst/>
-          </a:prstGeom>
-          <a:noFill/>
         </p:spPr>
         <p:txBody>
-          <a:bodyPr wrap="square" lIns="0" rtlCol="0">
-            <a:spAutoFit/>
+          <a:bodyPr>
+            <a:normAutofit/>
           </a:bodyPr>
           <a:lstStyle/>
           <a:p>
-            <a:r>
-              <a:rPr lang="en-US" sz="4400" b="1" cap="all" dirty="0">
+            <a:pPr algn="l"/>
+            <a:r>
+              <a:rPr lang="en-US" sz="4400" cap="all" dirty="0">
                 <a:solidFill>
                   <a:srgbClr val="009EC0"/>
                 </a:solidFill>
@@ -11476,7 +12523,7 @@
               <a:t>Rabbi </a:t>
             </a:r>
             <a:r>
-              <a:rPr lang="en-US" sz="4400" b="1" cap="all" dirty="0" err="1">
+              <a:rPr lang="en-US" sz="4400" cap="all" dirty="0" err="1">
                 <a:solidFill>
                   <a:srgbClr val="009EC0"/>
                 </a:solidFill>
@@ -11484,14 +12531,14 @@
               <a:t>Aqiba</a:t>
             </a:r>
             <a:br>
-              <a:rPr lang="en-US" sz="4400" cap="all" dirty="0">
+              <a:rPr lang="en-US" sz="4000" cap="all" dirty="0">
                 <a:solidFill>
                   <a:srgbClr val="009EC0"/>
                 </a:solidFill>
               </a:rPr>
             </a:br>
             <a:r>
-              <a:rPr lang="en-US" sz="4000" i="1" dirty="0">
+              <a:rPr lang="en-US" sz="4000" b="0" i="1" dirty="0">
                 <a:solidFill>
                   <a:srgbClr val="009EC0"/>
                 </a:solidFill>
@@ -11499,7 +12546,7 @@
               <a:t>Babylonian Talmud: </a:t>
             </a:r>
             <a:r>
-              <a:rPr lang="en-US" sz="4000" i="1" dirty="0" err="1">
+              <a:rPr lang="en-US" sz="4000" b="0" i="1" dirty="0" err="1">
                 <a:solidFill>
                   <a:srgbClr val="009EC0"/>
                 </a:solidFill>
@@ -11507,7 +12554,7 @@
               <a:t>Eruvin</a:t>
             </a:r>
             <a:r>
-              <a:rPr lang="en-US" sz="4000" i="1" dirty="0">
+              <a:rPr lang="en-US" sz="4000" b="0" i="1" dirty="0">
                 <a:solidFill>
                   <a:srgbClr val="009EC0"/>
                 </a:solidFill>
@@ -11520,7 +12567,7 @@
     </p:spTree>
     <p:extLst>
       <p:ext uri="{BB962C8B-B14F-4D97-AF65-F5344CB8AC3E}">
-        <p14:creationId xmlns:p14="http://schemas.microsoft.com/office/powerpoint/2010/main" val="3957636752"/>
+        <p14:creationId xmlns:p14="http://schemas.microsoft.com/office/powerpoint/2010/main" val="780680553"/>
       </p:ext>
     </p:extLst>
   </p:cSld>
@@ -11582,7 +12629,7 @@
             </a:pPr>
             <a:r>
               <a:rPr lang="en-US" dirty="0"/>
-              <a:t>“This might mean that they need only learn it but not repeat it. But scripture says: '</a:t>
+              <a:t>“How do we know that he was to </a:t>
             </a:r>
             <a:r>
               <a:rPr lang="en-US" dirty="0">
@@ -11590,11 +12637,59 @@
                   <a:srgbClr val="C00002"/>
                 </a:highlight>
               </a:rPr>
-              <a:t>Put it in their mouths</a:t>
+              <a:t>repeat it to them a </a:t>
+            </a:r>
+            <a:r>
+              <a:rPr lang="en-US" u="sng" dirty="0">
+                <a:highlight>
+                  <a:srgbClr val="C00002"/>
+                </a:highlight>
+              </a:rPr>
+              <a:t>second</a:t>
+            </a:r>
+            <a:r>
+              <a:rPr lang="en-US" dirty="0">
+                <a:highlight>
+                  <a:srgbClr val="C00002"/>
+                </a:highlight>
+              </a:rPr>
+              <a:t>, a </a:t>
+            </a:r>
+            <a:r>
+              <a:rPr lang="en-US" u="sng" dirty="0">
+                <a:highlight>
+                  <a:srgbClr val="C00002"/>
+                </a:highlight>
+              </a:rPr>
+              <a:t>third</a:t>
+            </a:r>
+            <a:r>
+              <a:rPr lang="en-US" dirty="0">
+                <a:highlight>
+                  <a:srgbClr val="C00002"/>
+                </a:highlight>
+              </a:rPr>
+              <a:t> and a </a:t>
+            </a:r>
+            <a:r>
+              <a:rPr lang="en-US" u="sng" dirty="0">
+                <a:highlight>
+                  <a:srgbClr val="C00002"/>
+                </a:highlight>
+              </a:rPr>
+              <a:t>fourth</a:t>
+            </a:r>
+            <a:r>
+              <a:rPr lang="en-US" dirty="0">
+                <a:highlight>
+                  <a:srgbClr val="C00002"/>
+                </a:highlight>
+              </a:rPr>
+              <a:t> time until they learned it</a:t>
             </a:r>
             <a:r>
               <a:rPr lang="en-US" dirty="0"/>
-              <a:t>'(ibid).”</a:t>
+              <a:t>? Scripture says: 'And teach thou it the children of Israel' (Deut. 31:19).”</a:t>
             </a:r>
           </a:p>
         </p:txBody>
@@ -11680,7 +12775,7 @@
     </p:spTree>
     <p:extLst>
       <p:ext uri="{BB962C8B-B14F-4D97-AF65-F5344CB8AC3E}">
-        <p14:creationId xmlns:p14="http://schemas.microsoft.com/office/powerpoint/2010/main" val="3225542019"/>
+        <p14:creationId xmlns:p14="http://schemas.microsoft.com/office/powerpoint/2010/main" val="3957636752"/>
       </p:ext>
     </p:extLst>
   </p:cSld>
@@ -11731,7 +12826,7 @@
         </p:spPr>
         <p:txBody>
           <a:bodyPr anchor="b" anchorCtr="0">
-            <a:normAutofit fontScale="90000"/>
+            <a:normAutofit/>
           </a:bodyPr>
           <a:lstStyle/>
           <a:p>
@@ -11742,7 +12837,7 @@
             </a:pPr>
             <a:r>
               <a:rPr lang="en-US" dirty="0"/>
-              <a:t>“Still this might mean that they need only repeat it but need not </a:t>
+              <a:t>“This might mean that they need only learn it but not repeat it. But scripture says: '</a:t>
             </a:r>
             <a:r>
               <a:rPr lang="en-US" dirty="0">
@@ -11750,11 +12845,11 @@
                   <a:srgbClr val="C00002"/>
                 </a:highlight>
               </a:rPr>
-              <a:t>understand it</a:t>
+              <a:t>Put it in their mouths</a:t>
             </a:r>
             <a:r>
               <a:rPr lang="en-US" dirty="0"/>
-              <a:t>. … Arrange them in proper order before them like a set table, hast as it is said: 'Unto you it was shown that you might know'”</a:t>
+              <a:t>'(ibid).”</a:t>
             </a:r>
           </a:p>
         </p:txBody>
@@ -11840,7 +12935,7 @@
     </p:spTree>
     <p:extLst>
       <p:ext uri="{BB962C8B-B14F-4D97-AF65-F5344CB8AC3E}">
-        <p14:creationId xmlns:p14="http://schemas.microsoft.com/office/powerpoint/2010/main" val="2388798797"/>
+        <p14:creationId xmlns:p14="http://schemas.microsoft.com/office/powerpoint/2010/main" val="3225542019"/>
       </p:ext>
     </p:extLst>
   </p:cSld>
@@ -11867,10 +12962,140 @@
           <a:chExt cx="0" cy="0"/>
         </a:xfrm>
       </p:grpSpPr>
+      <p:sp>
+        <p:nvSpPr>
+          <p:cNvPr id="2" name="Title 1">
+            <a:extLst>
+              <a:ext uri="{FF2B5EF4-FFF2-40B4-BE49-F238E27FC236}">
+                <a16:creationId xmlns:a16="http://schemas.microsoft.com/office/drawing/2014/main" id="{C8F392D1-A4F5-744A-9239-99BC6612F901}"/>
+              </a:ext>
+            </a:extLst>
+          </p:cNvPr>
+          <p:cNvSpPr>
+            <a:spLocks noGrp="1"/>
+          </p:cNvSpPr>
+          <p:nvPr>
+            <p:ph type="title"/>
+          </p:nvPr>
+        </p:nvSpPr>
+        <p:spPr>
+          <a:xfrm>
+            <a:off x="457200" y="152400"/>
+            <a:ext cx="8686800" cy="3962400"/>
+          </a:xfrm>
+        </p:spPr>
+        <p:txBody>
+          <a:bodyPr anchor="b" anchorCtr="0">
+            <a:normAutofit fontScale="90000"/>
+          </a:bodyPr>
+          <a:lstStyle/>
+          <a:p>
+            <a:pPr>
+              <a:tabLst>
+                <a:tab pos="91440" algn="l"/>
+              </a:tabLst>
+            </a:pPr>
+            <a:r>
+              <a:rPr lang="en-US" dirty="0"/>
+              <a:t>“Still this might mean that they need only repeat it but need not </a:t>
+            </a:r>
+            <a:r>
+              <a:rPr lang="en-US" dirty="0">
+                <a:highlight>
+                  <a:srgbClr val="C00002"/>
+                </a:highlight>
+              </a:rPr>
+              <a:t>understand it</a:t>
+            </a:r>
+            <a:r>
+              <a:rPr lang="en-US" dirty="0"/>
+              <a:t>. … Arrange them in proper order before them like a set table, hast as it is said: 'Unto you it was shown that you might know'”</a:t>
+            </a:r>
+          </a:p>
+        </p:txBody>
+      </p:sp>
+      <p:sp>
+        <p:nvSpPr>
+          <p:cNvPr id="4" name="TextBox 3">
+            <a:extLst>
+              <a:ext uri="{FF2B5EF4-FFF2-40B4-BE49-F238E27FC236}">
+                <a16:creationId xmlns:a16="http://schemas.microsoft.com/office/drawing/2014/main" id="{D9D09682-4714-2740-8C41-23070EBB5BEB}"/>
+              </a:ext>
+            </a:extLst>
+          </p:cNvPr>
+          <p:cNvSpPr txBox="1"/>
+          <p:nvPr/>
+        </p:nvSpPr>
+        <p:spPr>
+          <a:xfrm>
+            <a:off x="114300" y="4495800"/>
+            <a:ext cx="9029700" cy="1384995"/>
+          </a:xfrm>
+          <a:prstGeom prst="rect">
+            <a:avLst/>
+          </a:prstGeom>
+          <a:noFill/>
+        </p:spPr>
+        <p:txBody>
+          <a:bodyPr wrap="square" lIns="0" rtlCol="0">
+            <a:spAutoFit/>
+          </a:bodyPr>
+          <a:lstStyle/>
+          <a:p>
+            <a:r>
+              <a:rPr lang="en-US" sz="4400" b="1" cap="all" dirty="0">
+                <a:solidFill>
+                  <a:srgbClr val="009EC0"/>
+                </a:solidFill>
+              </a:rPr>
+              <a:t>Rabbi </a:t>
+            </a:r>
+            <a:r>
+              <a:rPr lang="en-US" sz="4400" b="1" cap="all" dirty="0" err="1">
+                <a:solidFill>
+                  <a:srgbClr val="009EC0"/>
+                </a:solidFill>
+              </a:rPr>
+              <a:t>Aqiba</a:t>
+            </a:r>
+            <a:br>
+              <a:rPr lang="en-US" sz="4400" cap="all" dirty="0">
+                <a:solidFill>
+                  <a:srgbClr val="009EC0"/>
+                </a:solidFill>
+              </a:rPr>
+            </a:br>
+            <a:r>
+              <a:rPr lang="en-US" sz="4000" i="1" dirty="0">
+                <a:solidFill>
+                  <a:srgbClr val="009EC0"/>
+                </a:solidFill>
+              </a:rPr>
+              <a:t>Babylonian Talmud: </a:t>
+            </a:r>
+            <a:r>
+              <a:rPr lang="en-US" sz="4000" i="1" dirty="0" err="1">
+                <a:solidFill>
+                  <a:srgbClr val="009EC0"/>
+                </a:solidFill>
+              </a:rPr>
+              <a:t>Eruvin</a:t>
+            </a:r>
+            <a:r>
+              <a:rPr lang="en-US" sz="4000" i="1" dirty="0">
+                <a:solidFill>
+                  <a:srgbClr val="009EC0"/>
+                </a:solidFill>
+              </a:rPr>
+              <a:t> 54b</a:t>
+            </a:r>
+          </a:p>
+        </p:txBody>
+      </p:sp>
     </p:spTree>
     <p:extLst>
       <p:ext uri="{BB962C8B-B14F-4D97-AF65-F5344CB8AC3E}">
-        <p14:creationId xmlns:p14="http://schemas.microsoft.com/office/powerpoint/2010/main" val="3703266066"/>
+        <p14:creationId xmlns:p14="http://schemas.microsoft.com/office/powerpoint/2010/main" val="2388798797"/>
       </p:ext>
     </p:extLst>
   </p:cSld>

--- a/companion-website/public/files/8. Jesus the Rabbi.pptx
+++ b/companion-website/public/files/8. Jesus the Rabbi.pptx
@@ -223,7 +223,7 @@
           <a:p>
             <a:fld id="{8F7EB338-8BB0-B64B-9F79-C87EA24D723F}" type="datetimeFigureOut">
               <a:rPr lang="en-US" smtClean="0"/>
-              <a:t>10/22/20</a:t>
+              <a:t>10/26/20</a:t>
             </a:fld>
             <a:endParaRPr lang="en-US"/>
           </a:p>
@@ -984,7 +984,7 @@
     </p:spTree>
     <p:extLst>
       <p:ext uri="{BB962C8B-B14F-4D97-AF65-F5344CB8AC3E}">
-        <p14:creationId xmlns:p14="http://schemas.microsoft.com/office/powerpoint/2010/main" val="548979535"/>
+        <p14:creationId xmlns:p14="http://schemas.microsoft.com/office/powerpoint/2010/main" val="10011209"/>
       </p:ext>
     </p:extLst>
   </p:cSld>
@@ -1682,7 +1682,7 @@
             <a:fld id="{DBE77699-C466-4996-ADED-71C8160E04A2}" type="datetimeFigureOut">
               <a:rPr lang="en-US" smtClean="0"/>
               <a:pPr/>
-              <a:t>10/22/20</a:t>
+              <a:t>10/26/20</a:t>
             </a:fld>
             <a:endParaRPr lang="en-US"/>
           </a:p>
@@ -1847,7 +1847,7 @@
             <a:fld id="{DBE77699-C466-4996-ADED-71C8160E04A2}" type="datetimeFigureOut">
               <a:rPr lang="en-US" smtClean="0"/>
               <a:pPr/>
-              <a:t>10/22/20</a:t>
+              <a:t>10/26/20</a:t>
             </a:fld>
             <a:endParaRPr lang="en-US"/>
           </a:p>
@@ -2022,7 +2022,7 @@
             <a:fld id="{DBE77699-C466-4996-ADED-71C8160E04A2}" type="datetimeFigureOut">
               <a:rPr lang="en-US" smtClean="0"/>
               <a:pPr/>
-              <a:t>10/22/20</a:t>
+              <a:t>10/26/20</a:t>
             </a:fld>
             <a:endParaRPr lang="en-US"/>
           </a:p>
@@ -2141,7 +2141,7 @@
             <a:fld id="{DBE77699-C466-4996-ADED-71C8160E04A2}" type="datetimeFigureOut">
               <a:rPr lang="en-US" smtClean="0"/>
               <a:pPr/>
-              <a:t>10/22/20</a:t>
+              <a:t>10/26/20</a:t>
             </a:fld>
             <a:endParaRPr lang="en-US"/>
           </a:p>
@@ -2549,7 +2549,7 @@
             <a:fld id="{DBE77699-C466-4996-ADED-71C8160E04A2}" type="datetimeFigureOut">
               <a:rPr lang="en-US" smtClean="0"/>
               <a:pPr/>
-              <a:t>10/22/20</a:t>
+              <a:t>10/26/20</a:t>
             </a:fld>
             <a:endParaRPr lang="en-US"/>
           </a:p>
@@ -2791,7 +2791,7 @@
             <a:fld id="{DBE77699-C466-4996-ADED-71C8160E04A2}" type="datetimeFigureOut">
               <a:rPr lang="en-US" smtClean="0"/>
               <a:pPr/>
-              <a:t>10/22/20</a:t>
+              <a:t>10/26/20</a:t>
             </a:fld>
             <a:endParaRPr lang="en-US"/>
           </a:p>
@@ -3073,7 +3073,7 @@
             <a:fld id="{DBE77699-C466-4996-ADED-71C8160E04A2}" type="datetimeFigureOut">
               <a:rPr lang="en-US" smtClean="0"/>
               <a:pPr/>
-              <a:t>10/22/20</a:t>
+              <a:t>10/26/20</a:t>
             </a:fld>
             <a:endParaRPr lang="en-US"/>
           </a:p>
@@ -3489,7 +3489,7 @@
             <a:fld id="{DBE77699-C466-4996-ADED-71C8160E04A2}" type="datetimeFigureOut">
               <a:rPr lang="en-US" smtClean="0"/>
               <a:pPr/>
-              <a:t>10/22/20</a:t>
+              <a:t>10/26/20</a:t>
             </a:fld>
             <a:endParaRPr lang="en-US"/>
           </a:p>
@@ -3603,7 +3603,7 @@
             <a:fld id="{DBE77699-C466-4996-ADED-71C8160E04A2}" type="datetimeFigureOut">
               <a:rPr lang="en-US" smtClean="0"/>
               <a:pPr/>
-              <a:t>10/22/20</a:t>
+              <a:t>10/26/20</a:t>
             </a:fld>
             <a:endParaRPr lang="en-US"/>
           </a:p>
@@ -3695,7 +3695,7 @@
             <a:fld id="{DBE77699-C466-4996-ADED-71C8160E04A2}" type="datetimeFigureOut">
               <a:rPr lang="en-US" smtClean="0"/>
               <a:pPr/>
-              <a:t>10/22/20</a:t>
+              <a:t>10/26/20</a:t>
             </a:fld>
             <a:endParaRPr lang="en-US"/>
           </a:p>
@@ -3967,7 +3967,7 @@
             <a:fld id="{DBE77699-C466-4996-ADED-71C8160E04A2}" type="datetimeFigureOut">
               <a:rPr lang="en-US" smtClean="0"/>
               <a:pPr/>
-              <a:t>10/22/20</a:t>
+              <a:t>10/26/20</a:t>
             </a:fld>
             <a:endParaRPr lang="en-US"/>
           </a:p>
@@ -4216,7 +4216,7 @@
             <a:fld id="{DBE77699-C466-4996-ADED-71C8160E04A2}" type="datetimeFigureOut">
               <a:rPr lang="en-US" smtClean="0"/>
               <a:pPr/>
-              <a:t>10/22/20</a:t>
+              <a:t>10/26/20</a:t>
             </a:fld>
             <a:endParaRPr lang="en-US"/>
           </a:p>
@@ -4427,7 +4427,7 @@
             <a:fld id="{DBE77699-C466-4996-ADED-71C8160E04A2}" type="datetimeFigureOut">
               <a:rPr lang="en-US" smtClean="0"/>
               <a:pPr/>
-              <a:t>10/22/20</a:t>
+              <a:t>10/26/20</a:t>
             </a:fld>
             <a:endParaRPr lang="en-US"/>
           </a:p>
@@ -7819,7 +7819,7 @@
             </a:pPr>
             <a:r>
               <a:rPr lang="en-US" sz="4000" dirty="0"/>
-              <a:t>“said the Rabbi to his pupil, ‘pay attention and I shall teach it to you again.’ He then</a:t>
+              <a:t>“said the Rabbi to his pupil, ‘pay attention and I shall teach it to you again.’ He then </a:t>
             </a:r>
             <a:r>
               <a:rPr lang="en-US" sz="4000" dirty="0">
@@ -7827,16 +7827,13 @@
                   <a:srgbClr val="C00002"/>
                 </a:highlight>
               </a:rPr>
-              <a:t> repeated the lesson a second four hundred times</a:t>
+              <a:t>repeated the lesson a second four hundred times</a:t>
             </a:r>
             <a:r>
               <a:rPr lang="en-US" sz="4000" b="1" dirty="0">
                 <a:solidFill>
                   <a:srgbClr val="CB5B0E"/>
                 </a:solidFill>
-                <a:highlight>
-                  <a:srgbClr val="C00002"/>
-                </a:highlight>
               </a:rPr>
               <a:t> </a:t>
             </a:r>
@@ -9325,10 +9322,10 @@
       </p:grpSpPr>
       <p:grpSp>
         <p:nvGrpSpPr>
-          <p:cNvPr id="26" name="Group 25">
+          <p:cNvPr id="19" name="Group 18">
             <a:extLst>
               <a:ext uri="{FF2B5EF4-FFF2-40B4-BE49-F238E27FC236}">
-                <a16:creationId xmlns:a16="http://schemas.microsoft.com/office/drawing/2014/main" id="{1FA8C76B-CD9D-2841-8811-9E41A81D561F}"/>
+                <a16:creationId xmlns:a16="http://schemas.microsoft.com/office/drawing/2014/main" id="{3B9D3AAD-602B-A34F-B307-15C94CE36106}"/>
               </a:ext>
             </a:extLst>
           </p:cNvPr>
@@ -9337,313 +9334,9 @@
         </p:nvGrpSpPr>
         <p:grpSpPr>
           <a:xfrm>
-            <a:off x="2905051" y="3354323"/>
-            <a:ext cx="1902283" cy="1940964"/>
-            <a:chOff x="2905051" y="3354323"/>
-            <a:chExt cx="1902283" cy="1940964"/>
-          </a:xfrm>
-        </p:grpSpPr>
-        <p:sp>
-          <p:nvSpPr>
-            <p:cNvPr id="40" name="Rectangle 39">
-              <a:extLst>
-                <a:ext uri="{FF2B5EF4-FFF2-40B4-BE49-F238E27FC236}">
-                  <a16:creationId xmlns:a16="http://schemas.microsoft.com/office/drawing/2014/main" id="{2ABAC20C-8568-6C44-B3CA-D5906376B57A}"/>
-                </a:ext>
-              </a:extLst>
-            </p:cNvPr>
-            <p:cNvSpPr/>
-            <p:nvPr/>
-          </p:nvSpPr>
-          <p:spPr>
-            <a:xfrm>
-              <a:off x="2905052" y="4978180"/>
-              <a:ext cx="1902282" cy="298675"/>
-            </a:xfrm>
-            <a:prstGeom prst="rect">
-              <a:avLst/>
-            </a:prstGeom>
-            <a:solidFill>
-              <a:srgbClr val="CB5B0E"/>
-            </a:solidFill>
-            <a:ln>
-              <a:noFill/>
-            </a:ln>
-            <a:effectLst/>
-          </p:spPr>
-          <p:style>
-            <a:lnRef idx="1">
-              <a:schemeClr val="accent1"/>
-            </a:lnRef>
-            <a:fillRef idx="3">
-              <a:schemeClr val="accent1"/>
-            </a:fillRef>
-            <a:effectRef idx="2">
-              <a:schemeClr val="accent1"/>
-            </a:effectRef>
-            <a:fontRef idx="minor">
-              <a:schemeClr val="lt1"/>
-            </a:fontRef>
-          </p:style>
-          <p:txBody>
-            <a:bodyPr rtlCol="0" anchor="ctr"/>
-            <a:lstStyle/>
-            <a:p>
-              <a:pPr algn="ctr"/>
-              <a:endParaRPr lang="en-US"/>
-            </a:p>
-          </p:txBody>
-        </p:sp>
-        <p:grpSp>
-          <p:nvGrpSpPr>
-            <p:cNvPr id="25" name="Group 24">
-              <a:extLst>
-                <a:ext uri="{FF2B5EF4-FFF2-40B4-BE49-F238E27FC236}">
-                  <a16:creationId xmlns:a16="http://schemas.microsoft.com/office/drawing/2014/main" id="{D22BF0FC-AD57-2940-A6A4-9C0584B0708F}"/>
-                </a:ext>
-              </a:extLst>
-            </p:cNvPr>
-            <p:cNvGrpSpPr/>
-            <p:nvPr/>
-          </p:nvGrpSpPr>
-          <p:grpSpPr>
-            <a:xfrm>
-              <a:off x="2905051" y="3354323"/>
-              <a:ext cx="1895548" cy="1940964"/>
-              <a:chOff x="2905051" y="3354323"/>
-              <a:chExt cx="1895548" cy="1940964"/>
-            </a:xfrm>
-          </p:grpSpPr>
-          <p:sp>
-            <p:nvSpPr>
-              <p:cNvPr id="20" name="Rectangle 19">
-                <a:extLst>
-                  <a:ext uri="{FF2B5EF4-FFF2-40B4-BE49-F238E27FC236}">
-                    <a16:creationId xmlns:a16="http://schemas.microsoft.com/office/drawing/2014/main" id="{CA50193E-BCCA-7B44-A238-4E76B711A278}"/>
-                  </a:ext>
-                </a:extLst>
-              </p:cNvPr>
-              <p:cNvSpPr/>
-              <p:nvPr/>
-            </p:nvSpPr>
-            <p:spPr>
-              <a:xfrm>
-                <a:off x="2905052" y="3354323"/>
-                <a:ext cx="1895547" cy="1922529"/>
-              </a:xfrm>
-              <a:prstGeom prst="rect">
-                <a:avLst/>
-              </a:prstGeom>
-              <a:noFill/>
-              <a:ln w="12700">
-                <a:solidFill>
-                  <a:srgbClr val="CB5B0E"/>
-                </a:solidFill>
-              </a:ln>
-            </p:spPr>
-            <p:style>
-              <a:lnRef idx="2">
-                <a:schemeClr val="accent1">
-                  <a:shade val="50000"/>
-                </a:schemeClr>
-              </a:lnRef>
-              <a:fillRef idx="1">
-                <a:schemeClr val="accent1"/>
-              </a:fillRef>
-              <a:effectRef idx="0">
-                <a:schemeClr val="accent1"/>
-              </a:effectRef>
-              <a:fontRef idx="minor">
-                <a:schemeClr val="lt1"/>
-              </a:fontRef>
-            </p:style>
-            <p:txBody>
-              <a:bodyPr rtlCol="0" anchor="ctr"/>
-              <a:lstStyle/>
-              <a:p>
-                <a:pPr algn="ctr"/>
-                <a:endParaRPr lang="en-US"/>
-              </a:p>
-            </p:txBody>
-          </p:sp>
-          <p:sp>
-            <p:nvSpPr>
-              <p:cNvPr id="53" name="TextBox 52">
-                <a:extLst>
-                  <a:ext uri="{FF2B5EF4-FFF2-40B4-BE49-F238E27FC236}">
-                    <a16:creationId xmlns:a16="http://schemas.microsoft.com/office/drawing/2014/main" id="{E780E784-070E-2840-96AD-0C64545D54CC}"/>
-                  </a:ext>
-                </a:extLst>
-              </p:cNvPr>
-              <p:cNvSpPr txBox="1"/>
-              <p:nvPr/>
-            </p:nvSpPr>
-            <p:spPr>
-              <a:xfrm>
-                <a:off x="2905051" y="4987510"/>
-                <a:ext cx="1895547" cy="307777"/>
-              </a:xfrm>
-              <a:prstGeom prst="rect">
-                <a:avLst/>
-              </a:prstGeom>
-              <a:noFill/>
-            </p:spPr>
-            <p:txBody>
-              <a:bodyPr wrap="square" rtlCol="0">
-                <a:spAutoFit/>
-              </a:bodyPr>
-              <a:lstStyle/>
-              <a:p>
-                <a:pPr algn="ctr"/>
-                <a:r>
-                  <a:rPr lang="en-US" sz="1400" b="1" dirty="0">
-                    <a:solidFill>
-                      <a:schemeClr val="bg1"/>
-                    </a:solidFill>
-                  </a:rPr>
-                  <a:t>Gospels as oral history</a:t>
-                </a:r>
-                <a:endParaRPr lang="en-US" sz="1200" b="1" dirty="0">
-                  <a:solidFill>
-                    <a:schemeClr val="bg1"/>
-                  </a:solidFill>
-                </a:endParaRPr>
-              </a:p>
-            </p:txBody>
-          </p:sp>
-        </p:grpSp>
-      </p:grpSp>
-      <p:grpSp>
-        <p:nvGrpSpPr>
-          <p:cNvPr id="7" name="Group 6"/>
-          <p:cNvGrpSpPr/>
-          <p:nvPr/>
-        </p:nvGrpSpPr>
-        <p:grpSpPr>
-          <a:xfrm>
-            <a:off x="0" y="4039543"/>
-            <a:ext cx="8846611" cy="378893"/>
-            <a:chOff x="0" y="4551909"/>
-            <a:chExt cx="8846611" cy="378893"/>
-          </a:xfrm>
-        </p:grpSpPr>
-        <p:sp>
-          <p:nvSpPr>
-            <p:cNvPr id="8" name="TextBox 7"/>
-            <p:cNvSpPr txBox="1"/>
-            <p:nvPr/>
-          </p:nvSpPr>
-          <p:spPr>
-            <a:xfrm>
-              <a:off x="0" y="4551909"/>
-              <a:ext cx="537565" cy="369332"/>
-            </a:xfrm>
-            <a:prstGeom prst="rect">
-              <a:avLst/>
-            </a:prstGeom>
-            <a:noFill/>
-          </p:spPr>
-          <p:txBody>
-            <a:bodyPr wrap="none" rtlCol="0">
-              <a:spAutoFit/>
-            </a:bodyPr>
-            <a:lstStyle/>
-            <a:p>
-              <a:r>
-                <a:rPr lang="en-US" dirty="0"/>
-                <a:t>0 </a:t>
-              </a:r>
-              <a:r>
-                <a:rPr lang="en-US" sz="1200" dirty="0"/>
-                <a:t>AD</a:t>
-              </a:r>
-            </a:p>
-          </p:txBody>
-        </p:sp>
-        <p:sp>
-          <p:nvSpPr>
-            <p:cNvPr id="9" name="TextBox 8"/>
-            <p:cNvSpPr txBox="1"/>
-            <p:nvPr/>
-          </p:nvSpPr>
-          <p:spPr>
-            <a:xfrm>
-              <a:off x="8075058" y="4551909"/>
-              <a:ext cx="771553" cy="369332"/>
-            </a:xfrm>
-            <a:prstGeom prst="rect">
-              <a:avLst/>
-            </a:prstGeom>
-            <a:noFill/>
-          </p:spPr>
-          <p:txBody>
-            <a:bodyPr wrap="none" rtlCol="0">
-              <a:spAutoFit/>
-            </a:bodyPr>
-            <a:lstStyle/>
-            <a:p>
-              <a:r>
-                <a:rPr lang="en-US" dirty="0"/>
-                <a:t>100 </a:t>
-              </a:r>
-              <a:r>
-                <a:rPr lang="en-US" sz="1200" dirty="0"/>
-                <a:t>AD</a:t>
-              </a:r>
-            </a:p>
-          </p:txBody>
-        </p:sp>
-        <p:sp>
-          <p:nvSpPr>
-            <p:cNvPr id="10" name="TextBox 9"/>
-            <p:cNvSpPr txBox="1"/>
-            <p:nvPr/>
-          </p:nvSpPr>
-          <p:spPr>
-            <a:xfrm>
-              <a:off x="4293817" y="4561470"/>
-              <a:ext cx="654559" cy="369332"/>
-            </a:xfrm>
-            <a:prstGeom prst="rect">
-              <a:avLst/>
-            </a:prstGeom>
-            <a:noFill/>
-          </p:spPr>
-          <p:txBody>
-            <a:bodyPr wrap="none" rtlCol="0">
-              <a:spAutoFit/>
-            </a:bodyPr>
-            <a:lstStyle/>
-            <a:p>
-              <a:r>
-                <a:rPr lang="en-US" dirty="0"/>
-                <a:t>50 </a:t>
-              </a:r>
-              <a:r>
-                <a:rPr lang="en-US" sz="1200" dirty="0"/>
-                <a:t>AD</a:t>
-              </a:r>
-            </a:p>
-          </p:txBody>
-        </p:sp>
-      </p:grpSp>
-      <p:grpSp>
-        <p:nvGrpSpPr>
-          <p:cNvPr id="6" name="Group 5">
-            <a:extLst>
-              <a:ext uri="{FF2B5EF4-FFF2-40B4-BE49-F238E27FC236}">
-                <a16:creationId xmlns:a16="http://schemas.microsoft.com/office/drawing/2014/main" id="{48207BBE-92D6-9940-B8DD-0349B89190C0}"/>
-              </a:ext>
-            </a:extLst>
-          </p:cNvPr>
-          <p:cNvGrpSpPr/>
-          <p:nvPr/>
-        </p:nvGrpSpPr>
-        <p:grpSpPr>
-          <a:xfrm>
-            <a:off x="4800600" y="3314719"/>
+            <a:off x="4800600" y="3338622"/>
             <a:ext cx="3124200" cy="276999"/>
-            <a:chOff x="4800600" y="3314719"/>
+            <a:chOff x="4800600" y="3338622"/>
             <a:chExt cx="3124200" cy="276999"/>
           </a:xfrm>
         </p:grpSpPr>
@@ -9655,8 +9348,8 @@
           </p:nvSpPr>
           <p:spPr>
             <a:xfrm>
-              <a:off x="4800600" y="3366566"/>
-              <a:ext cx="3124200" cy="178508"/>
+              <a:off x="4800600" y="3366565"/>
+              <a:ext cx="3124200" cy="249055"/>
             </a:xfrm>
             <a:prstGeom prst="rect">
               <a:avLst/>
@@ -9702,7 +9395,7 @@
           </p:nvSpPr>
           <p:spPr>
             <a:xfrm>
-              <a:off x="4814069" y="3314719"/>
+              <a:off x="4807334" y="3338622"/>
               <a:ext cx="1705138" cy="276999"/>
             </a:xfrm>
             <a:prstGeom prst="rect">
@@ -9730,10 +9423,10 @@
       </p:grpSp>
       <p:grpSp>
         <p:nvGrpSpPr>
-          <p:cNvPr id="22" name="Group 21">
+          <p:cNvPr id="18" name="Group 17">
             <a:extLst>
               <a:ext uri="{FF2B5EF4-FFF2-40B4-BE49-F238E27FC236}">
-                <a16:creationId xmlns:a16="http://schemas.microsoft.com/office/drawing/2014/main" id="{9B084BC8-02DA-634A-8A55-3842CC90536D}"/>
+                <a16:creationId xmlns:a16="http://schemas.microsoft.com/office/drawing/2014/main" id="{852AC560-F153-C644-8F5F-CD96C642F67A}"/>
               </a:ext>
             </a:extLst>
           </p:cNvPr>
@@ -9742,9 +9435,9 @@
         </p:nvGrpSpPr>
         <p:grpSpPr>
           <a:xfrm>
-            <a:off x="234878" y="3297158"/>
+            <a:off x="238246" y="3338622"/>
             <a:ext cx="2655548" cy="276999"/>
-            <a:chOff x="238246" y="3307176"/>
+            <a:chOff x="238246" y="3338622"/>
             <a:chExt cx="2655548" cy="276999"/>
           </a:xfrm>
         </p:grpSpPr>
@@ -9756,8 +9449,8 @@
           </p:nvSpPr>
           <p:spPr>
             <a:xfrm>
-              <a:off x="238246" y="3366995"/>
-              <a:ext cx="2655548" cy="157362"/>
+              <a:off x="238246" y="3366994"/>
+              <a:ext cx="2655548" cy="217175"/>
             </a:xfrm>
             <a:prstGeom prst="rect">
               <a:avLst/>
@@ -9803,7 +9496,7 @@
           </p:nvSpPr>
           <p:spPr>
             <a:xfrm>
-              <a:off x="249504" y="3307176"/>
+              <a:off x="242135" y="3338622"/>
               <a:ext cx="2146300" cy="276999"/>
             </a:xfrm>
             <a:prstGeom prst="rect">
@@ -9908,17 +9601,11 @@
           <p:cNvGraphicFramePr>
             <a:graphicFrameLocks noGrp="1"/>
           </p:cNvGraphicFramePr>
-          <p:nvPr>
-            <p:extLst>
-              <p:ext uri="{D42A27DB-BD31-4B8C-83A1-F6EECF244321}">
-                <p14:modId xmlns:p14="http://schemas.microsoft.com/office/powerpoint/2010/main" val="4023623591"/>
-              </p:ext>
-            </p:extLst>
-          </p:nvPr>
+          <p:nvPr/>
         </p:nvGraphicFramePr>
         <p:xfrm>
-          <a:off x="5112183" y="6198735"/>
-          <a:ext cx="3884977" cy="370840"/>
+          <a:off x="6629400" y="5971669"/>
+          <a:ext cx="2360976" cy="370840"/>
         </p:xfrm>
         <a:graphic>
           <a:graphicData uri="http://schemas.openxmlformats.org/drawingml/2006/table">
@@ -9927,14 +9614,14 @@
                 <a:tableStyleId>{2D5ABB26-0587-4C30-8999-92F81FD0307C}</a:tableStyleId>
               </a:tblPr>
               <a:tblGrid>
-                <a:gridCol w="342724">
+                <a:gridCol w="208280">
                   <a:extLst>
                     <a:ext uri="{9D8B030D-6E8A-4147-A177-3AD203B41FA5}">
                       <a16:colId xmlns:a16="http://schemas.microsoft.com/office/drawing/2014/main" val="1587587882"/>
                     </a:ext>
                   </a:extLst>
                 </a:gridCol>
-                <a:gridCol w="3542253">
+                <a:gridCol w="2152696">
                   <a:extLst>
                     <a:ext uri="{9D8B030D-6E8A-4147-A177-3AD203B41FA5}">
                       <a16:colId xmlns:a16="http://schemas.microsoft.com/office/drawing/2014/main" val="1338497365"/>
@@ -9951,7 +9638,7 @@
                       <a:pPr algn="r"/>
                       <a:r>
                         <a:rPr lang="en-US" baseline="30000" dirty="0"/>
-                        <a:t>2</a:t>
+                        <a:t>1</a:t>
                       </a:r>
                     </a:p>
                   </a:txBody>
@@ -9962,26 +9649,9 @@
                     <a:bodyPr/>
                     <a:lstStyle/>
                     <a:p>
-                      <a:pPr marL="0" marR="0" lvl="0" indent="0" algn="l" defTabSz="914400" rtl="0" eaLnBrk="1" fontAlgn="auto" latinLnBrk="0" hangingPunct="1">
-                        <a:lnSpc>
-                          <a:spcPct val="100000"/>
-                        </a:lnSpc>
-                        <a:spcBef>
-                          <a:spcPts val="0"/>
-                        </a:spcBef>
-                        <a:spcAft>
-                          <a:spcPts val="0"/>
-                        </a:spcAft>
-                        <a:buClrTx/>
-                        <a:buSzTx/>
-                        <a:buFontTx/>
-                        <a:buNone/>
-                        <a:tabLst/>
-                        <a:defRPr/>
-                      </a:pPr>
                       <a:r>
                         <a:rPr lang="en-US" dirty="0"/>
-                        <a:t>i.e. not disputed even by skeptics</a:t>
+                        <a:t>Acts 9:18</a:t>
                       </a:r>
                     </a:p>
                   </a:txBody>
@@ -9989,7 +9659,7 @@
                 </a:tc>
                 <a:extLst>
                   <a:ext uri="{0D108BD9-81ED-4DB2-BD59-A6C34878D82A}">
-                    <a16:rowId xmlns:a16="http://schemas.microsoft.com/office/drawing/2014/main" val="1258967561"/>
+                    <a16:rowId xmlns:a16="http://schemas.microsoft.com/office/drawing/2014/main" val="1290177786"/>
                   </a:ext>
                 </a:extLst>
               </a:tr>
@@ -9999,10 +9669,10 @@
       </p:graphicFrame>
       <p:grpSp>
         <p:nvGrpSpPr>
-          <p:cNvPr id="3" name="Group 2">
+          <p:cNvPr id="28" name="Group 27">
             <a:extLst>
               <a:ext uri="{FF2B5EF4-FFF2-40B4-BE49-F238E27FC236}">
-                <a16:creationId xmlns:a16="http://schemas.microsoft.com/office/drawing/2014/main" id="{1A6B418C-4A31-F847-92CD-129620B5CC75}"/>
+                <a16:creationId xmlns:a16="http://schemas.microsoft.com/office/drawing/2014/main" id="{B419CC3D-A199-B64F-99D5-6FDCD969D50C}"/>
               </a:ext>
             </a:extLst>
           </p:cNvPr>
@@ -10011,174 +9681,10 @@
         </p:nvGrpSpPr>
         <p:grpSpPr>
           <a:xfrm>
-            <a:off x="3045576" y="3366566"/>
-            <a:ext cx="1602624" cy="904081"/>
-            <a:chOff x="3045576" y="3366566"/>
-            <a:chExt cx="1602624" cy="904081"/>
-          </a:xfrm>
-        </p:grpSpPr>
-        <p:sp>
-          <p:nvSpPr>
-            <p:cNvPr id="35" name="TextBox 34">
-              <a:extLst>
-                <a:ext uri="{FF2B5EF4-FFF2-40B4-BE49-F238E27FC236}">
-                  <a16:creationId xmlns:a16="http://schemas.microsoft.com/office/drawing/2014/main" id="{BBFFC284-1591-5C48-B2EC-5B59511CD580}"/>
-                </a:ext>
-              </a:extLst>
-            </p:cNvPr>
-            <p:cNvSpPr txBox="1"/>
-            <p:nvPr/>
-          </p:nvSpPr>
-          <p:spPr>
-            <a:xfrm>
-              <a:off x="3296066" y="3489360"/>
-              <a:ext cx="1352134" cy="584775"/>
-            </a:xfrm>
-            <a:prstGeom prst="rect">
-              <a:avLst/>
-            </a:prstGeom>
-            <a:noFill/>
-          </p:spPr>
-          <p:txBody>
-            <a:bodyPr wrap="square" rtlCol="0">
-              <a:spAutoFit/>
-            </a:bodyPr>
-            <a:lstStyle/>
-            <a:p>
-              <a:r>
-                <a:rPr lang="en-US" sz="1600" dirty="0">
-                  <a:solidFill>
-                    <a:srgbClr val="D7D7D7"/>
-                  </a:solidFill>
-                </a:rPr>
-                <a:t>Paul becomes a Christian </a:t>
-              </a:r>
-              <a:r>
-                <a:rPr lang="en-US" sz="1600" baseline="30000" dirty="0">
-                  <a:solidFill>
-                    <a:srgbClr val="D7D7D7"/>
-                  </a:solidFill>
-                </a:rPr>
-                <a:t>1</a:t>
-              </a:r>
-              <a:r>
-                <a:rPr lang="en-US" sz="1600" dirty="0">
-                  <a:solidFill>
-                    <a:srgbClr val="D7D7D7"/>
-                  </a:solidFill>
-                </a:rPr>
-                <a:t> </a:t>
-              </a:r>
-            </a:p>
-          </p:txBody>
-        </p:sp>
-        <p:sp>
-          <p:nvSpPr>
-            <p:cNvPr id="36" name="TextBox 35">
-              <a:extLst>
-                <a:ext uri="{FF2B5EF4-FFF2-40B4-BE49-F238E27FC236}">
-                  <a16:creationId xmlns:a16="http://schemas.microsoft.com/office/drawing/2014/main" id="{773ACB04-08B5-944E-AEDA-0096781BE3D9}"/>
-                </a:ext>
-              </a:extLst>
-            </p:cNvPr>
-            <p:cNvSpPr txBox="1"/>
-            <p:nvPr/>
-          </p:nvSpPr>
-          <p:spPr>
-            <a:xfrm>
-              <a:off x="3287012" y="4009037"/>
-              <a:ext cx="665567" cy="261610"/>
-            </a:xfrm>
-            <a:prstGeom prst="rect">
-              <a:avLst/>
-            </a:prstGeom>
-            <a:noFill/>
-          </p:spPr>
-          <p:txBody>
-            <a:bodyPr wrap="none" rtlCol="0">
-              <a:spAutoFit/>
-            </a:bodyPr>
-            <a:lstStyle/>
-            <a:p>
-              <a:r>
-                <a:rPr lang="en-US" sz="1100" dirty="0">
-                  <a:solidFill>
-                    <a:srgbClr val="D7D7D7"/>
-                  </a:solidFill>
-                </a:rPr>
-                <a:t>+2 years</a:t>
-              </a:r>
-              <a:endParaRPr lang="en-US" sz="900" dirty="0">
-                <a:solidFill>
-                  <a:srgbClr val="D7D7D7"/>
-                </a:solidFill>
-              </a:endParaRPr>
-            </a:p>
-          </p:txBody>
-        </p:sp>
-        <p:cxnSp>
-          <p:nvCxnSpPr>
-            <p:cNvPr id="44" name="Elbow Connector 43">
-              <a:extLst>
-                <a:ext uri="{FF2B5EF4-FFF2-40B4-BE49-F238E27FC236}">
-                  <a16:creationId xmlns:a16="http://schemas.microsoft.com/office/drawing/2014/main" id="{AA14FF14-08D5-7843-8F60-01F11A133600}"/>
-                </a:ext>
-              </a:extLst>
-            </p:cNvPr>
-            <p:cNvCxnSpPr>
-              <a:cxnSpLocks/>
-              <a:stCxn id="35" idx="1"/>
-            </p:cNvCxnSpPr>
-            <p:nvPr/>
-          </p:nvCxnSpPr>
-          <p:spPr>
-            <a:xfrm rot="10800000">
-              <a:off x="3045576" y="3366566"/>
-              <a:ext cx="250490" cy="415182"/>
-            </a:xfrm>
-            <a:prstGeom prst="bentConnector2">
-              <a:avLst/>
-            </a:prstGeom>
-            <a:ln>
-              <a:solidFill>
-                <a:srgbClr val="009EC0"/>
-              </a:solidFill>
-            </a:ln>
-          </p:spPr>
-          <p:style>
-            <a:lnRef idx="1">
-              <a:schemeClr val="accent1"/>
-            </a:lnRef>
-            <a:fillRef idx="0">
-              <a:schemeClr val="accent1"/>
-            </a:fillRef>
-            <a:effectRef idx="0">
-              <a:schemeClr val="accent1"/>
-            </a:effectRef>
-            <a:fontRef idx="minor">
-              <a:schemeClr val="tx1"/>
-            </a:fontRef>
-          </p:style>
-        </p:cxnSp>
-      </p:grpSp>
-      <p:grpSp>
-        <p:nvGrpSpPr>
-          <p:cNvPr id="15" name="Group 14">
-            <a:extLst>
-              <a:ext uri="{FF2B5EF4-FFF2-40B4-BE49-F238E27FC236}">
-                <a16:creationId xmlns:a16="http://schemas.microsoft.com/office/drawing/2014/main" id="{00A4AABC-77CE-7549-98CE-E3420AFFE0D3}"/>
-              </a:ext>
-            </a:extLst>
-          </p:cNvPr>
-          <p:cNvGrpSpPr/>
-          <p:nvPr/>
-        </p:nvGrpSpPr>
-        <p:grpSpPr>
-          <a:xfrm>
-            <a:off x="4401704" y="2210422"/>
-            <a:ext cx="3523097" cy="1170062"/>
-            <a:chOff x="4401704" y="2210422"/>
-            <a:chExt cx="3523097" cy="1170062"/>
+            <a:off x="4401704" y="3090181"/>
+            <a:ext cx="1604628" cy="276999"/>
+            <a:chOff x="4401704" y="3090181"/>
+            <a:chExt cx="1604628" cy="276999"/>
           </a:xfrm>
         </p:grpSpPr>
         <p:sp>
@@ -10195,8 +9701,8 @@
           </p:nvSpPr>
           <p:spPr>
             <a:xfrm>
-              <a:off x="4401704" y="3155331"/>
-              <a:ext cx="1420958" cy="183291"/>
+              <a:off x="4401704" y="3102507"/>
+              <a:ext cx="1420958" cy="236116"/>
             </a:xfrm>
             <a:prstGeom prst="rect">
               <a:avLst/>
@@ -10248,8 +9754,8 @@
           </p:nvSpPr>
           <p:spPr>
             <a:xfrm>
-              <a:off x="4415172" y="3103485"/>
-              <a:ext cx="1528428" cy="276999"/>
+              <a:off x="4401704" y="3090181"/>
+              <a:ext cx="1604628" cy="276999"/>
             </a:xfrm>
             <a:prstGeom prst="rect">
               <a:avLst/>
@@ -10270,286 +9776,16 @@
                 </a:rPr>
                 <a:t>Undisputed Epistles</a:t>
               </a:r>
-              <a:r>
-                <a:rPr lang="en-US" sz="1200" baseline="30000" dirty="0">
-                  <a:solidFill>
-                    <a:schemeClr val="bg1"/>
-                  </a:solidFill>
-                </a:rPr>
-                <a:t>2</a:t>
-              </a:r>
-              <a:endParaRPr lang="en-US" sz="1200" dirty="0">
-                <a:solidFill>
-                  <a:schemeClr val="bg1"/>
-                </a:solidFill>
-              </a:endParaRPr>
             </a:p>
           </p:txBody>
         </p:sp>
-        <p:grpSp>
-          <p:nvGrpSpPr>
-            <p:cNvPr id="14" name="Group 13">
-              <a:extLst>
-                <a:ext uri="{FF2B5EF4-FFF2-40B4-BE49-F238E27FC236}">
-                  <a16:creationId xmlns:a16="http://schemas.microsoft.com/office/drawing/2014/main" id="{30CBDAF2-5D75-C243-B57C-F99D98381919}"/>
-                </a:ext>
-              </a:extLst>
-            </p:cNvPr>
-            <p:cNvGrpSpPr/>
-            <p:nvPr/>
-          </p:nvGrpSpPr>
-          <p:grpSpPr>
-            <a:xfrm>
-              <a:off x="4572003" y="2210422"/>
-              <a:ext cx="3352798" cy="944908"/>
-              <a:chOff x="4572003" y="2210422"/>
-              <a:chExt cx="3352798" cy="944908"/>
-            </a:xfrm>
-          </p:grpSpPr>
-          <p:grpSp>
-            <p:nvGrpSpPr>
-              <p:cNvPr id="73" name="Group 72">
-                <a:extLst>
-                  <a:ext uri="{FF2B5EF4-FFF2-40B4-BE49-F238E27FC236}">
-                    <a16:creationId xmlns:a16="http://schemas.microsoft.com/office/drawing/2014/main" id="{27C924BA-A0BD-DD4A-B4C4-8850E79959D7}"/>
-                  </a:ext>
-                </a:extLst>
-              </p:cNvPr>
-              <p:cNvGrpSpPr/>
-              <p:nvPr/>
-            </p:nvGrpSpPr>
-            <p:grpSpPr>
-              <a:xfrm>
-                <a:off x="4818675" y="2210422"/>
-                <a:ext cx="3106126" cy="769290"/>
-                <a:chOff x="4648201" y="2393125"/>
-                <a:chExt cx="3106126" cy="769290"/>
-              </a:xfrm>
-            </p:grpSpPr>
-            <p:sp>
-              <p:nvSpPr>
-                <p:cNvPr id="12" name="TextBox 11"/>
-                <p:cNvSpPr txBox="1"/>
-                <p:nvPr/>
-              </p:nvSpPr>
-              <p:spPr>
-                <a:xfrm>
-                  <a:off x="4648201" y="2393125"/>
-                  <a:ext cx="3106126" cy="584775"/>
-                </a:xfrm>
-                <a:prstGeom prst="rect">
-                  <a:avLst/>
-                </a:prstGeom>
-                <a:noFill/>
-              </p:spPr>
-              <p:txBody>
-                <a:bodyPr wrap="square" rtlCol="0">
-                  <a:spAutoFit/>
-                </a:bodyPr>
-                <a:lstStyle/>
-                <a:p>
-                  <a:r>
-                    <a:rPr lang="en-US" sz="1600" dirty="0">
-                      <a:solidFill>
-                        <a:srgbClr val="D7D7D7"/>
-                      </a:solidFill>
-                    </a:rPr>
-                    <a:t>Galatians, 1 Thessalonians, Romans</a:t>
-                  </a:r>
-                </a:p>
-                <a:p>
-                  <a:r>
-                    <a:rPr lang="en-US" sz="1600" dirty="0">
-                      <a:solidFill>
-                        <a:srgbClr val="D7D7D7"/>
-                      </a:solidFill>
-                    </a:rPr>
-                    <a:t>Philemon, 1-2 Corinthians</a:t>
-                  </a:r>
-                </a:p>
-              </p:txBody>
-            </p:sp>
-            <p:sp>
-              <p:nvSpPr>
-                <p:cNvPr id="38" name="TextBox 37">
-                  <a:extLst>
-                    <a:ext uri="{FF2B5EF4-FFF2-40B4-BE49-F238E27FC236}">
-                      <a16:creationId xmlns:a16="http://schemas.microsoft.com/office/drawing/2014/main" id="{B42B3896-CF40-2345-8D10-82F1A59C2984}"/>
-                    </a:ext>
-                  </a:extLst>
-                </p:cNvPr>
-                <p:cNvSpPr txBox="1"/>
-                <p:nvPr/>
-              </p:nvSpPr>
-              <p:spPr>
-                <a:xfrm>
-                  <a:off x="4670969" y="2900805"/>
-                  <a:ext cx="737702" cy="261610"/>
-                </a:xfrm>
-                <a:prstGeom prst="rect">
-                  <a:avLst/>
-                </a:prstGeom>
-                <a:noFill/>
-              </p:spPr>
-              <p:txBody>
-                <a:bodyPr wrap="none" rtlCol="0">
-                  <a:spAutoFit/>
-                </a:bodyPr>
-                <a:lstStyle/>
-                <a:p>
-                  <a:r>
-                    <a:rPr lang="en-US" sz="1100" dirty="0">
-                      <a:solidFill>
-                        <a:srgbClr val="D7D7D7"/>
-                      </a:solidFill>
-                    </a:rPr>
-                    <a:t>+20 years</a:t>
-                  </a:r>
-                  <a:endParaRPr lang="en-US" sz="900" dirty="0">
-                    <a:solidFill>
-                      <a:srgbClr val="D7D7D7"/>
-                    </a:solidFill>
-                  </a:endParaRPr>
-                </a:p>
-              </p:txBody>
-            </p:sp>
-          </p:grpSp>
-          <p:cxnSp>
-            <p:nvCxnSpPr>
-              <p:cNvPr id="51" name="Elbow Connector 50">
-                <a:extLst>
-                  <a:ext uri="{FF2B5EF4-FFF2-40B4-BE49-F238E27FC236}">
-                    <a16:creationId xmlns:a16="http://schemas.microsoft.com/office/drawing/2014/main" id="{A1BD37D6-7709-CB42-AAAA-BB10F034061F}"/>
-                  </a:ext>
-                </a:extLst>
-              </p:cNvPr>
-              <p:cNvCxnSpPr>
-                <a:cxnSpLocks/>
-                <a:stCxn id="12" idx="1"/>
-              </p:cNvCxnSpPr>
-              <p:nvPr/>
-            </p:nvCxnSpPr>
-            <p:spPr>
-              <a:xfrm rot="10800000" flipV="1">
-                <a:off x="4572003" y="2502810"/>
-                <a:ext cx="246673" cy="652520"/>
-              </a:xfrm>
-              <a:prstGeom prst="bentConnector2">
-                <a:avLst/>
-              </a:prstGeom>
-              <a:ln>
-                <a:solidFill>
-                  <a:srgbClr val="009EC0"/>
-                </a:solidFill>
-              </a:ln>
-            </p:spPr>
-            <p:style>
-              <a:lnRef idx="1">
-                <a:schemeClr val="accent1"/>
-              </a:lnRef>
-              <a:fillRef idx="0">
-                <a:schemeClr val="accent1"/>
-              </a:fillRef>
-              <a:effectRef idx="0">
-                <a:schemeClr val="accent1"/>
-              </a:effectRef>
-              <a:fontRef idx="minor">
-                <a:schemeClr val="tx1"/>
-              </a:fontRef>
-            </p:style>
-          </p:cxnSp>
-        </p:grpSp>
       </p:grpSp>
-      <p:graphicFrame>
-        <p:nvGraphicFramePr>
-          <p:cNvPr id="30" name="Table 29">
+      <p:grpSp>
+        <p:nvGrpSpPr>
+          <p:cNvPr id="22" name="Group 21">
             <a:extLst>
               <a:ext uri="{FF2B5EF4-FFF2-40B4-BE49-F238E27FC236}">
-                <a16:creationId xmlns:a16="http://schemas.microsoft.com/office/drawing/2014/main" id="{D90F6458-906F-D647-83C3-F9194CAD1F3C}"/>
-              </a:ext>
-            </a:extLst>
-          </p:cNvPr>
-          <p:cNvGraphicFramePr>
-            <a:graphicFrameLocks noGrp="1"/>
-          </p:cNvGraphicFramePr>
-          <p:nvPr>
-            <p:extLst>
-              <p:ext uri="{D42A27DB-BD31-4B8C-83A1-F6EECF244321}">
-                <p14:modId xmlns:p14="http://schemas.microsoft.com/office/powerpoint/2010/main" val="2054702140"/>
-              </p:ext>
-            </p:extLst>
-          </p:nvPr>
-        </p:nvGraphicFramePr>
-        <p:xfrm>
-          <a:off x="5112182" y="5785648"/>
-          <a:ext cx="3884977" cy="370840"/>
-        </p:xfrm>
-        <a:graphic>
-          <a:graphicData uri="http://schemas.openxmlformats.org/drawingml/2006/table">
-            <a:tbl>
-              <a:tblPr firstRow="1" bandRow="1">
-                <a:tableStyleId>{2D5ABB26-0587-4C30-8999-92F81FD0307C}</a:tableStyleId>
-              </a:tblPr>
-              <a:tblGrid>
-                <a:gridCol w="342724">
-                  <a:extLst>
-                    <a:ext uri="{9D8B030D-6E8A-4147-A177-3AD203B41FA5}">
-                      <a16:colId xmlns:a16="http://schemas.microsoft.com/office/drawing/2014/main" val="1587587882"/>
-                    </a:ext>
-                  </a:extLst>
-                </a:gridCol>
-                <a:gridCol w="3542253">
-                  <a:extLst>
-                    <a:ext uri="{9D8B030D-6E8A-4147-A177-3AD203B41FA5}">
-                      <a16:colId xmlns:a16="http://schemas.microsoft.com/office/drawing/2014/main" val="1338497365"/>
-                    </a:ext>
-                  </a:extLst>
-                </a:gridCol>
-              </a:tblGrid>
-              <a:tr h="370840">
-                <a:tc>
-                  <a:txBody>
-                    <a:bodyPr/>
-                    <a:lstStyle/>
-                    <a:p>
-                      <a:pPr algn="r"/>
-                      <a:r>
-                        <a:rPr lang="en-US" baseline="30000" dirty="0"/>
-                        <a:t>1</a:t>
-                      </a:r>
-                    </a:p>
-                  </a:txBody>
-                  <a:tcPr/>
-                </a:tc>
-                <a:tc>
-                  <a:txBody>
-                    <a:bodyPr/>
-                    <a:lstStyle/>
-                    <a:p>
-                      <a:r>
-                        <a:rPr lang="en-US" dirty="0"/>
-                        <a:t>Acts 9:18</a:t>
-                      </a:r>
-                    </a:p>
-                  </a:txBody>
-                  <a:tcPr/>
-                </a:tc>
-                <a:extLst>
-                  <a:ext uri="{0D108BD9-81ED-4DB2-BD59-A6C34878D82A}">
-                    <a16:rowId xmlns:a16="http://schemas.microsoft.com/office/drawing/2014/main" val="1290177786"/>
-                  </a:ext>
-                </a:extLst>
-              </a:tr>
-            </a:tbl>
-          </a:graphicData>
-        </a:graphic>
-      </p:graphicFrame>
-      <p:grpSp>
-        <p:nvGrpSpPr>
-          <p:cNvPr id="17" name="Group 16">
-            <a:extLst>
-              <a:ext uri="{FF2B5EF4-FFF2-40B4-BE49-F238E27FC236}">
-                <a16:creationId xmlns:a16="http://schemas.microsoft.com/office/drawing/2014/main" id="{5D8CF05C-B4E3-F54E-8A69-7EF11E3643D4}"/>
+                <a16:creationId xmlns:a16="http://schemas.microsoft.com/office/drawing/2014/main" id="{28D8B75C-7C7B-DD49-8AEB-4FBC92FAE0C0}"/>
               </a:ext>
             </a:extLst>
           </p:cNvPr>
@@ -10558,18 +9794,18 @@
         </p:nvGrpSpPr>
         <p:grpSpPr>
           <a:xfrm>
-            <a:off x="8075058" y="2386232"/>
-            <a:ext cx="1175990" cy="937495"/>
-            <a:chOff x="5292909" y="909674"/>
-            <a:chExt cx="1175990" cy="937495"/>
+            <a:off x="3045576" y="3366566"/>
+            <a:ext cx="1602624" cy="853937"/>
+            <a:chOff x="3045576" y="3366566"/>
+            <a:chExt cx="1602624" cy="853937"/>
           </a:xfrm>
         </p:grpSpPr>
         <p:sp>
           <p:nvSpPr>
-            <p:cNvPr id="39" name="TextBox 38">
+            <p:cNvPr id="35" name="TextBox 34">
               <a:extLst>
                 <a:ext uri="{FF2B5EF4-FFF2-40B4-BE49-F238E27FC236}">
-                  <a16:creationId xmlns:a16="http://schemas.microsoft.com/office/drawing/2014/main" id="{11579103-7FB3-C24E-B8C6-ADB3B33B2E8D}"/>
+                  <a16:creationId xmlns:a16="http://schemas.microsoft.com/office/drawing/2014/main" id="{BBFFC284-1591-5C48-B2EC-5B59511CD580}"/>
                 </a:ext>
               </a:extLst>
             </p:cNvPr>
@@ -10578,8 +9814,8 @@
           </p:nvSpPr>
           <p:spPr>
             <a:xfrm>
-              <a:off x="5383073" y="909674"/>
-              <a:ext cx="1085826" cy="338554"/>
+              <a:off x="3296066" y="3489360"/>
+              <a:ext cx="1352134" cy="523220"/>
             </a:xfrm>
             <a:prstGeom prst="rect">
               <a:avLst/>
@@ -10593,35 +9829,95 @@
             <a:lstStyle/>
             <a:p>
               <a:r>
-                <a:rPr lang="en-US" sz="1600" dirty="0">
+                <a:rPr lang="en-US" sz="1400" dirty="0">
                   <a:solidFill>
                     <a:srgbClr val="D7D7D7"/>
                   </a:solidFill>
                 </a:rPr>
-                <a:t>Revelation</a:t>
+                <a:t>Paul becomes a Christian </a:t>
               </a:r>
+              <a:r>
+                <a:rPr lang="en-US" sz="1400" baseline="30000" dirty="0">
+                  <a:solidFill>
+                    <a:srgbClr val="D7D7D7"/>
+                  </a:solidFill>
+                </a:rPr>
+                <a:t>1</a:t>
+              </a:r>
+              <a:r>
+                <a:rPr lang="en-US" sz="1400" dirty="0">
+                  <a:solidFill>
+                    <a:srgbClr val="D7D7D7"/>
+                  </a:solidFill>
+                </a:rPr>
+                <a:t> </a:t>
+              </a:r>
+            </a:p>
+          </p:txBody>
+        </p:sp>
+        <p:sp>
+          <p:nvSpPr>
+            <p:cNvPr id="36" name="TextBox 35">
+              <a:extLst>
+                <a:ext uri="{FF2B5EF4-FFF2-40B4-BE49-F238E27FC236}">
+                  <a16:creationId xmlns:a16="http://schemas.microsoft.com/office/drawing/2014/main" id="{773ACB04-08B5-944E-AEDA-0096781BE3D9}"/>
+                </a:ext>
+              </a:extLst>
+            </p:cNvPr>
+            <p:cNvSpPr txBox="1"/>
+            <p:nvPr/>
+          </p:nvSpPr>
+          <p:spPr>
+            <a:xfrm>
+              <a:off x="3281815" y="3958893"/>
+              <a:ext cx="665567" cy="261610"/>
+            </a:xfrm>
+            <a:prstGeom prst="rect">
+              <a:avLst/>
+            </a:prstGeom>
+            <a:noFill/>
+          </p:spPr>
+          <p:txBody>
+            <a:bodyPr wrap="none" rtlCol="0">
+              <a:spAutoFit/>
+            </a:bodyPr>
+            <a:lstStyle/>
+            <a:p>
+              <a:r>
+                <a:rPr lang="en-US" sz="1100" dirty="0">
+                  <a:solidFill>
+                    <a:srgbClr val="D7D7D7"/>
+                  </a:solidFill>
+                </a:rPr>
+                <a:t>+2 years</a:t>
+              </a:r>
+              <a:endParaRPr lang="en-US" sz="900" dirty="0">
+                <a:solidFill>
+                  <a:srgbClr val="D7D7D7"/>
+                </a:solidFill>
+              </a:endParaRPr>
             </a:p>
           </p:txBody>
         </p:sp>
         <p:cxnSp>
           <p:nvCxnSpPr>
-            <p:cNvPr id="41" name="Elbow Connector 40">
+            <p:cNvPr id="44" name="Elbow Connector 43">
               <a:extLst>
                 <a:ext uri="{FF2B5EF4-FFF2-40B4-BE49-F238E27FC236}">
-                  <a16:creationId xmlns:a16="http://schemas.microsoft.com/office/drawing/2014/main" id="{22E0624A-6652-4D47-A03D-99562E3F9053}"/>
+                  <a16:creationId xmlns:a16="http://schemas.microsoft.com/office/drawing/2014/main" id="{AA14FF14-08D5-7843-8F60-01F11A133600}"/>
                 </a:ext>
               </a:extLst>
             </p:cNvPr>
             <p:cNvCxnSpPr>
               <a:cxnSpLocks/>
-              <a:stCxn id="39" idx="1"/>
+              <a:stCxn id="35" idx="1"/>
             </p:cNvCxnSpPr>
             <p:nvPr/>
           </p:nvCxnSpPr>
           <p:spPr>
-            <a:xfrm rot="10800000" flipV="1">
-              <a:off x="5292909" y="1078950"/>
-              <a:ext cx="90164" cy="768219"/>
+            <a:xfrm rot="10800000">
+              <a:off x="3045576" y="3366566"/>
+              <a:ext cx="250490" cy="384404"/>
             </a:xfrm>
             <a:prstGeom prst="bentConnector2">
               <a:avLst/>
@@ -10648,46 +9944,520 @@
           </p:style>
         </p:cxnSp>
       </p:grpSp>
-      <p:cxnSp>
-        <p:nvCxnSpPr>
-          <p:cNvPr id="24" name="Straight Connector 23"/>
-          <p:cNvCxnSpPr/>
+      <p:grpSp>
+        <p:nvGrpSpPr>
+          <p:cNvPr id="25" name="Group 24">
+            <a:extLst>
+              <a:ext uri="{FF2B5EF4-FFF2-40B4-BE49-F238E27FC236}">
+                <a16:creationId xmlns:a16="http://schemas.microsoft.com/office/drawing/2014/main" id="{67F63A2D-D94D-3440-ACBD-F4A0F912972F}"/>
+              </a:ext>
+            </a:extLst>
+          </p:cNvPr>
+          <p:cNvGrpSpPr/>
           <p:nvPr/>
-        </p:nvCxnSpPr>
-        <p:spPr>
+        </p:nvGrpSpPr>
+        <p:grpSpPr>
           <a:xfrm>
-            <a:off x="71581" y="3353744"/>
-            <a:ext cx="8714896" cy="0"/>
+            <a:off x="4572000" y="2210422"/>
+            <a:ext cx="3687787" cy="944908"/>
+            <a:chOff x="4572000" y="2210422"/>
+            <a:chExt cx="3687787" cy="944908"/>
           </a:xfrm>
-          <a:prstGeom prst="line">
-            <a:avLst/>
-          </a:prstGeom>
-          <a:ln>
-            <a:solidFill>
-              <a:srgbClr val="D7D7D7"/>
-            </a:solidFill>
-          </a:ln>
-          <a:effectLst/>
-        </p:spPr>
-        <p:style>
-          <a:lnRef idx="2">
-            <a:schemeClr val="accent1"/>
-          </a:lnRef>
-          <a:fillRef idx="0">
-            <a:schemeClr val="accent1"/>
-          </a:fillRef>
-          <a:effectRef idx="1">
-            <a:schemeClr val="accent1"/>
-          </a:effectRef>
-          <a:fontRef idx="minor">
-            <a:schemeClr val="tx1"/>
-          </a:fontRef>
-        </p:style>
-      </p:cxnSp>
+        </p:grpSpPr>
+        <p:grpSp>
+          <p:nvGrpSpPr>
+            <p:cNvPr id="73" name="Group 72">
+              <a:extLst>
+                <a:ext uri="{FF2B5EF4-FFF2-40B4-BE49-F238E27FC236}">
+                  <a16:creationId xmlns:a16="http://schemas.microsoft.com/office/drawing/2014/main" id="{27C924BA-A0BD-DD4A-B4C4-8850E79959D7}"/>
+                </a:ext>
+              </a:extLst>
+            </p:cNvPr>
+            <p:cNvGrpSpPr/>
+            <p:nvPr/>
+          </p:nvGrpSpPr>
+          <p:grpSpPr>
+            <a:xfrm>
+              <a:off x="4814067" y="2210422"/>
+              <a:ext cx="3445720" cy="703186"/>
+              <a:chOff x="4643593" y="2393125"/>
+              <a:chExt cx="3445720" cy="703186"/>
+            </a:xfrm>
+          </p:grpSpPr>
+          <p:sp>
+            <p:nvSpPr>
+              <p:cNvPr id="12" name="TextBox 11"/>
+              <p:cNvSpPr txBox="1"/>
+              <p:nvPr/>
+            </p:nvSpPr>
+            <p:spPr>
+              <a:xfrm>
+                <a:off x="4648200" y="2393125"/>
+                <a:ext cx="3441113" cy="523220"/>
+              </a:xfrm>
+              <a:prstGeom prst="rect">
+                <a:avLst/>
+              </a:prstGeom>
+              <a:noFill/>
+            </p:spPr>
+            <p:txBody>
+              <a:bodyPr wrap="square" rtlCol="0">
+                <a:spAutoFit/>
+              </a:bodyPr>
+              <a:lstStyle/>
+              <a:p>
+                <a:r>
+                  <a:rPr lang="en-US" sz="1400" dirty="0">
+                    <a:solidFill>
+                      <a:srgbClr val="D7D7D7"/>
+                    </a:solidFill>
+                  </a:rPr>
+                  <a:t>Galatians, 1 Thessalonians, Romans</a:t>
+                </a:r>
+              </a:p>
+              <a:p>
+                <a:r>
+                  <a:rPr lang="en-US" sz="1400" dirty="0">
+                    <a:solidFill>
+                      <a:srgbClr val="D7D7D7"/>
+                    </a:solidFill>
+                  </a:rPr>
+                  <a:t>Philemon, 1-2 Corinthians</a:t>
+                </a:r>
+              </a:p>
+            </p:txBody>
+          </p:sp>
+          <p:sp>
+            <p:nvSpPr>
+              <p:cNvPr id="38" name="TextBox 37">
+                <a:extLst>
+                  <a:ext uri="{FF2B5EF4-FFF2-40B4-BE49-F238E27FC236}">
+                    <a16:creationId xmlns:a16="http://schemas.microsoft.com/office/drawing/2014/main" id="{B42B3896-CF40-2345-8D10-82F1A59C2984}"/>
+                  </a:ext>
+                </a:extLst>
+              </p:cNvPr>
+              <p:cNvSpPr txBox="1"/>
+              <p:nvPr/>
+            </p:nvSpPr>
+            <p:spPr>
+              <a:xfrm>
+                <a:off x="4643593" y="2834701"/>
+                <a:ext cx="925253" cy="261610"/>
+              </a:xfrm>
+              <a:prstGeom prst="rect">
+                <a:avLst/>
+              </a:prstGeom>
+              <a:noFill/>
+            </p:spPr>
+            <p:txBody>
+              <a:bodyPr wrap="none" rtlCol="0">
+                <a:spAutoFit/>
+              </a:bodyPr>
+              <a:lstStyle/>
+              <a:p>
+                <a:r>
+                  <a:rPr lang="en-US" sz="1100" dirty="0">
+                    <a:solidFill>
+                      <a:srgbClr val="D7D7D7"/>
+                    </a:solidFill>
+                  </a:rPr>
+                  <a:t>+20-30 years</a:t>
+                </a:r>
+                <a:endParaRPr lang="en-US" sz="900" dirty="0">
+                  <a:solidFill>
+                    <a:srgbClr val="D7D7D7"/>
+                  </a:solidFill>
+                </a:endParaRPr>
+              </a:p>
+            </p:txBody>
+          </p:sp>
+        </p:grpSp>
+        <p:cxnSp>
+          <p:nvCxnSpPr>
+            <p:cNvPr id="51" name="Elbow Connector 50">
+              <a:extLst>
+                <a:ext uri="{FF2B5EF4-FFF2-40B4-BE49-F238E27FC236}">
+                  <a16:creationId xmlns:a16="http://schemas.microsoft.com/office/drawing/2014/main" id="{A1BD37D6-7709-CB42-AAAA-BB10F034061F}"/>
+                </a:ext>
+              </a:extLst>
+            </p:cNvPr>
+            <p:cNvCxnSpPr>
+              <a:cxnSpLocks/>
+              <a:stCxn id="12" idx="1"/>
+            </p:cNvCxnSpPr>
+            <p:nvPr/>
+          </p:nvCxnSpPr>
+          <p:spPr>
+            <a:xfrm rot="10800000" flipV="1">
+              <a:off x="4572000" y="2472032"/>
+              <a:ext cx="246674" cy="683298"/>
+            </a:xfrm>
+            <a:prstGeom prst="bentConnector2">
+              <a:avLst/>
+            </a:prstGeom>
+            <a:ln>
+              <a:solidFill>
+                <a:srgbClr val="009EC0"/>
+              </a:solidFill>
+            </a:ln>
+          </p:spPr>
+          <p:style>
+            <a:lnRef idx="1">
+              <a:schemeClr val="accent1"/>
+            </a:lnRef>
+            <a:fillRef idx="0">
+              <a:schemeClr val="accent1"/>
+            </a:fillRef>
+            <a:effectRef idx="0">
+              <a:schemeClr val="accent1"/>
+            </a:effectRef>
+            <a:fontRef idx="minor">
+              <a:schemeClr val="tx1"/>
+            </a:fontRef>
+          </p:style>
+        </p:cxnSp>
+      </p:grpSp>
+      <p:grpSp>
+        <p:nvGrpSpPr>
+          <p:cNvPr id="26" name="Group 25">
+            <a:extLst>
+              <a:ext uri="{FF2B5EF4-FFF2-40B4-BE49-F238E27FC236}">
+                <a16:creationId xmlns:a16="http://schemas.microsoft.com/office/drawing/2014/main" id="{317EE347-1024-134B-8BD1-F7E033CAC389}"/>
+              </a:ext>
+            </a:extLst>
+          </p:cNvPr>
+          <p:cNvGrpSpPr/>
+          <p:nvPr/>
+        </p:nvGrpSpPr>
+        <p:grpSpPr>
+          <a:xfrm>
+            <a:off x="2877749" y="3354323"/>
+            <a:ext cx="1929585" cy="1922532"/>
+            <a:chOff x="2877749" y="3354323"/>
+            <a:chExt cx="1929585" cy="1922532"/>
+          </a:xfrm>
+        </p:grpSpPr>
+        <p:sp>
+          <p:nvSpPr>
+            <p:cNvPr id="40" name="Rectangle 39">
+              <a:extLst>
+                <a:ext uri="{FF2B5EF4-FFF2-40B4-BE49-F238E27FC236}">
+                  <a16:creationId xmlns:a16="http://schemas.microsoft.com/office/drawing/2014/main" id="{2ABAC20C-8568-6C44-B3CA-D5906376B57A}"/>
+                </a:ext>
+              </a:extLst>
+            </p:cNvPr>
+            <p:cNvSpPr/>
+            <p:nvPr/>
+          </p:nvSpPr>
+          <p:spPr>
+            <a:xfrm>
+              <a:off x="2905052" y="4978180"/>
+              <a:ext cx="1902282" cy="298675"/>
+            </a:xfrm>
+            <a:prstGeom prst="rect">
+              <a:avLst/>
+            </a:prstGeom>
+            <a:pattFill prst="wdUpDiag">
+              <a:fgClr>
+                <a:srgbClr val="C00002"/>
+              </a:fgClr>
+              <a:bgClr>
+                <a:srgbClr val="C00002"/>
+              </a:bgClr>
+            </a:pattFill>
+            <a:ln>
+              <a:noFill/>
+            </a:ln>
+            <a:effectLst/>
+          </p:spPr>
+          <p:style>
+            <a:lnRef idx="1">
+              <a:schemeClr val="accent1"/>
+            </a:lnRef>
+            <a:fillRef idx="3">
+              <a:schemeClr val="accent1"/>
+            </a:fillRef>
+            <a:effectRef idx="2">
+              <a:schemeClr val="accent1"/>
+            </a:effectRef>
+            <a:fontRef idx="minor">
+              <a:schemeClr val="lt1"/>
+            </a:fontRef>
+          </p:style>
+          <p:txBody>
+            <a:bodyPr rtlCol="0" anchor="ctr"/>
+            <a:lstStyle/>
+            <a:p>
+              <a:pPr algn="ctr"/>
+              <a:endParaRPr lang="en-US"/>
+            </a:p>
+          </p:txBody>
+        </p:sp>
+        <p:sp>
+          <p:nvSpPr>
+            <p:cNvPr id="20" name="Rectangle 19">
+              <a:extLst>
+                <a:ext uri="{FF2B5EF4-FFF2-40B4-BE49-F238E27FC236}">
+                  <a16:creationId xmlns:a16="http://schemas.microsoft.com/office/drawing/2014/main" id="{CA50193E-BCCA-7B44-A238-4E76B711A278}"/>
+                </a:ext>
+              </a:extLst>
+            </p:cNvPr>
+            <p:cNvSpPr/>
+            <p:nvPr/>
+          </p:nvSpPr>
+          <p:spPr>
+            <a:xfrm>
+              <a:off x="2905052" y="3354323"/>
+              <a:ext cx="1895547" cy="1922529"/>
+            </a:xfrm>
+            <a:prstGeom prst="rect">
+              <a:avLst/>
+            </a:prstGeom>
+            <a:noFill/>
+            <a:ln w="12700">
+              <a:solidFill>
+                <a:srgbClr val="C00002"/>
+              </a:solidFill>
+            </a:ln>
+          </p:spPr>
+          <p:style>
+            <a:lnRef idx="2">
+              <a:schemeClr val="accent1">
+                <a:shade val="50000"/>
+              </a:schemeClr>
+            </a:lnRef>
+            <a:fillRef idx="1">
+              <a:schemeClr val="accent1"/>
+            </a:fillRef>
+            <a:effectRef idx="0">
+              <a:schemeClr val="accent1"/>
+            </a:effectRef>
+            <a:fontRef idx="minor">
+              <a:schemeClr val="lt1"/>
+            </a:fontRef>
+          </p:style>
+          <p:txBody>
+            <a:bodyPr rtlCol="0" anchor="ctr"/>
+            <a:lstStyle/>
+            <a:p>
+              <a:pPr algn="ctr"/>
+              <a:endParaRPr lang="en-US"/>
+            </a:p>
+          </p:txBody>
+        </p:sp>
+        <p:sp>
+          <p:nvSpPr>
+            <p:cNvPr id="53" name="TextBox 52">
+              <a:extLst>
+                <a:ext uri="{FF2B5EF4-FFF2-40B4-BE49-F238E27FC236}">
+                  <a16:creationId xmlns:a16="http://schemas.microsoft.com/office/drawing/2014/main" id="{E780E784-070E-2840-96AD-0C64545D54CC}"/>
+                </a:ext>
+              </a:extLst>
+            </p:cNvPr>
+            <p:cNvSpPr txBox="1"/>
+            <p:nvPr/>
+          </p:nvSpPr>
+          <p:spPr>
+            <a:xfrm>
+              <a:off x="2877749" y="4987510"/>
+              <a:ext cx="1902282" cy="276999"/>
+            </a:xfrm>
+            <a:prstGeom prst="rect">
+              <a:avLst/>
+            </a:prstGeom>
+            <a:noFill/>
+          </p:spPr>
+          <p:txBody>
+            <a:bodyPr wrap="square" rtlCol="0">
+              <a:spAutoFit/>
+            </a:bodyPr>
+            <a:lstStyle/>
+            <a:p>
+              <a:pPr algn="ctr"/>
+              <a:r>
+                <a:rPr lang="en-US" sz="1200" dirty="0"/>
+                <a:t>Gospels as oral history</a:t>
+              </a:r>
+              <a:endParaRPr lang="en-US" sz="1100" dirty="0"/>
+            </a:p>
+          </p:txBody>
+        </p:sp>
+      </p:grpSp>
+      <p:grpSp>
+        <p:nvGrpSpPr>
+          <p:cNvPr id="27" name="Group 26">
+            <a:extLst>
+              <a:ext uri="{FF2B5EF4-FFF2-40B4-BE49-F238E27FC236}">
+                <a16:creationId xmlns:a16="http://schemas.microsoft.com/office/drawing/2014/main" id="{769207FA-7D0E-3D40-8797-8315C9B4DBFA}"/>
+              </a:ext>
+            </a:extLst>
+          </p:cNvPr>
+          <p:cNvGrpSpPr/>
+          <p:nvPr/>
+        </p:nvGrpSpPr>
+        <p:grpSpPr>
+          <a:xfrm>
+            <a:off x="0" y="3353744"/>
+            <a:ext cx="8846611" cy="1064692"/>
+            <a:chOff x="0" y="3353744"/>
+            <a:chExt cx="8846611" cy="1064692"/>
+          </a:xfrm>
+        </p:grpSpPr>
+        <p:grpSp>
+          <p:nvGrpSpPr>
+            <p:cNvPr id="7" name="Group 6"/>
+            <p:cNvGrpSpPr/>
+            <p:nvPr/>
+          </p:nvGrpSpPr>
+          <p:grpSpPr>
+            <a:xfrm>
+              <a:off x="0" y="4039543"/>
+              <a:ext cx="8846611" cy="378893"/>
+              <a:chOff x="0" y="4551909"/>
+              <a:chExt cx="8846611" cy="378893"/>
+            </a:xfrm>
+          </p:grpSpPr>
+          <p:sp>
+            <p:nvSpPr>
+              <p:cNvPr id="8" name="TextBox 7"/>
+              <p:cNvSpPr txBox="1"/>
+              <p:nvPr/>
+            </p:nvSpPr>
+            <p:spPr>
+              <a:xfrm>
+                <a:off x="0" y="4551909"/>
+                <a:ext cx="537565" cy="369332"/>
+              </a:xfrm>
+              <a:prstGeom prst="rect">
+                <a:avLst/>
+              </a:prstGeom>
+              <a:noFill/>
+            </p:spPr>
+            <p:txBody>
+              <a:bodyPr wrap="none" rtlCol="0">
+                <a:spAutoFit/>
+              </a:bodyPr>
+              <a:lstStyle/>
+              <a:p>
+                <a:r>
+                  <a:rPr lang="en-US" dirty="0"/>
+                  <a:t>0 </a:t>
+                </a:r>
+                <a:r>
+                  <a:rPr lang="en-US" sz="1200" dirty="0"/>
+                  <a:t>AD</a:t>
+                </a:r>
+              </a:p>
+            </p:txBody>
+          </p:sp>
+          <p:sp>
+            <p:nvSpPr>
+              <p:cNvPr id="9" name="TextBox 8"/>
+              <p:cNvSpPr txBox="1"/>
+              <p:nvPr/>
+            </p:nvSpPr>
+            <p:spPr>
+              <a:xfrm>
+                <a:off x="8075058" y="4551909"/>
+                <a:ext cx="771553" cy="369332"/>
+              </a:xfrm>
+              <a:prstGeom prst="rect">
+                <a:avLst/>
+              </a:prstGeom>
+              <a:noFill/>
+            </p:spPr>
+            <p:txBody>
+              <a:bodyPr wrap="none" rtlCol="0">
+                <a:spAutoFit/>
+              </a:bodyPr>
+              <a:lstStyle/>
+              <a:p>
+                <a:r>
+                  <a:rPr lang="en-US" dirty="0"/>
+                  <a:t>100 </a:t>
+                </a:r>
+                <a:r>
+                  <a:rPr lang="en-US" sz="1200" dirty="0"/>
+                  <a:t>AD</a:t>
+                </a:r>
+              </a:p>
+            </p:txBody>
+          </p:sp>
+          <p:sp>
+            <p:nvSpPr>
+              <p:cNvPr id="10" name="TextBox 9"/>
+              <p:cNvSpPr txBox="1"/>
+              <p:nvPr/>
+            </p:nvSpPr>
+            <p:spPr>
+              <a:xfrm>
+                <a:off x="4293817" y="4561470"/>
+                <a:ext cx="654559" cy="369332"/>
+              </a:xfrm>
+              <a:prstGeom prst="rect">
+                <a:avLst/>
+              </a:prstGeom>
+              <a:noFill/>
+            </p:spPr>
+            <p:txBody>
+              <a:bodyPr wrap="none" rtlCol="0">
+                <a:spAutoFit/>
+              </a:bodyPr>
+              <a:lstStyle/>
+              <a:p>
+                <a:r>
+                  <a:rPr lang="en-US" dirty="0"/>
+                  <a:t>50 </a:t>
+                </a:r>
+                <a:r>
+                  <a:rPr lang="en-US" sz="1200" dirty="0"/>
+                  <a:t>AD</a:t>
+                </a:r>
+              </a:p>
+            </p:txBody>
+          </p:sp>
+        </p:grpSp>
+        <p:cxnSp>
+          <p:nvCxnSpPr>
+            <p:cNvPr id="24" name="Straight Connector 23"/>
+            <p:cNvCxnSpPr/>
+            <p:nvPr/>
+          </p:nvCxnSpPr>
+          <p:spPr>
+            <a:xfrm>
+              <a:off x="71581" y="3353744"/>
+              <a:ext cx="8714896" cy="0"/>
+            </a:xfrm>
+            <a:prstGeom prst="line">
+              <a:avLst/>
+            </a:prstGeom>
+            <a:ln>
+              <a:solidFill>
+                <a:srgbClr val="D7D7D7"/>
+              </a:solidFill>
+            </a:ln>
+            <a:effectLst/>
+          </p:spPr>
+          <p:style>
+            <a:lnRef idx="2">
+              <a:schemeClr val="accent1"/>
+            </a:lnRef>
+            <a:fillRef idx="0">
+              <a:schemeClr val="accent1"/>
+            </a:fillRef>
+            <a:effectRef idx="1">
+              <a:schemeClr val="accent1"/>
+            </a:effectRef>
+            <a:fontRef idx="minor">
+              <a:schemeClr val="tx1"/>
+            </a:fontRef>
+          </p:style>
+        </p:cxnSp>
+      </p:grpSp>
     </p:spTree>
     <p:extLst>
       <p:ext uri="{BB962C8B-B14F-4D97-AF65-F5344CB8AC3E}">
-        <p14:creationId xmlns:p14="http://schemas.microsoft.com/office/powerpoint/2010/main" val="2435467813"/>
+        <p14:creationId xmlns:p14="http://schemas.microsoft.com/office/powerpoint/2010/main" val="3228535195"/>
       </p:ext>
     </p:extLst>
   </p:cSld>
@@ -10728,7 +10498,7 @@
                                           </p:stCondLst>
                                         </p:cTn>
                                         <p:tgtEl>
-                                          <p:spTgt spid="22"/>
+                                          <p:spTgt spid="18"/>
                                         </p:tgtEl>
                                         <p:attrNameLst>
                                           <p:attrName>style.visibility</p:attrName>
@@ -10740,9 +10510,9 @@
                                     </p:set>
                                     <p:animEffect transition="in" filter="fade">
                                       <p:cBhvr>
-                                        <p:cTn id="7" dur="500"/>
+                                        <p:cTn id="7" dur="250"/>
                                         <p:tgtEl>
-                                          <p:spTgt spid="22"/>
+                                          <p:spTgt spid="18"/>
                                         </p:tgtEl>
                                       </p:cBhvr>
                                     </p:animEffect>
@@ -10781,7 +10551,7 @@
                                           </p:stCondLst>
                                         </p:cTn>
                                         <p:tgtEl>
-                                          <p:spTgt spid="3"/>
+                                          <p:spTgt spid="22"/>
                                         </p:tgtEl>
                                         <p:attrNameLst>
                                           <p:attrName>style.visibility</p:attrName>
@@ -10793,9 +10563,9 @@
                                     </p:set>
                                     <p:animEffect transition="in" filter="fade">
                                       <p:cBhvr>
-                                        <p:cTn id="12" dur="500"/>
+                                        <p:cTn id="12" dur="250"/>
                                         <p:tgtEl>
-                                          <p:spTgt spid="3"/>
+                                          <p:spTgt spid="22"/>
                                         </p:tgtEl>
                                       </p:cBhvr>
                                     </p:animEffect>
@@ -10816,7 +10586,7 @@
                                           </p:stCondLst>
                                         </p:cTn>
                                         <p:tgtEl>
-                                          <p:spTgt spid="30"/>
+                                          <p:spTgt spid="2"/>
                                         </p:tgtEl>
                                         <p:attrNameLst>
                                           <p:attrName>style.visibility</p:attrName>
@@ -10828,9 +10598,9 @@
                                     </p:set>
                                     <p:animEffect transition="in" filter="fade">
                                       <p:cBhvr>
-                                        <p:cTn id="15" dur="500"/>
+                                        <p:cTn id="15" dur="250"/>
                                         <p:tgtEl>
-                                          <p:spTgt spid="30"/>
+                                          <p:spTgt spid="2"/>
                                         </p:tgtEl>
                                       </p:cBhvr>
                                     </p:animEffect>
@@ -10869,7 +10639,7 @@
                                           </p:stCondLst>
                                         </p:cTn>
                                         <p:tgtEl>
-                                          <p:spTgt spid="15"/>
+                                          <p:spTgt spid="28"/>
                                         </p:tgtEl>
                                         <p:attrNameLst>
                                           <p:attrName>style.visibility</p:attrName>
@@ -10881,44 +10651,9 @@
                                     </p:set>
                                     <p:animEffect transition="in" filter="fade">
                                       <p:cBhvr>
-                                        <p:cTn id="20" dur="500"/>
+                                        <p:cTn id="20" dur="250"/>
                                         <p:tgtEl>
-                                          <p:spTgt spid="15"/>
-                                        </p:tgtEl>
-                                      </p:cBhvr>
-                                    </p:animEffect>
-                                  </p:childTnLst>
-                                </p:cTn>
-                              </p:par>
-                              <p:par>
-                                <p:cTn id="21" presetID="10" presetClass="entr" presetSubtype="0" fill="hold" nodeType="withEffect">
-                                  <p:stCondLst>
-                                    <p:cond delay="0"/>
-                                  </p:stCondLst>
-                                  <p:childTnLst>
-                                    <p:set>
-                                      <p:cBhvr>
-                                        <p:cTn id="22" dur="1" fill="hold">
-                                          <p:stCondLst>
-                                            <p:cond delay="0"/>
-                                          </p:stCondLst>
-                                        </p:cTn>
-                                        <p:tgtEl>
-                                          <p:spTgt spid="2"/>
-                                        </p:tgtEl>
-                                        <p:attrNameLst>
-                                          <p:attrName>style.visibility</p:attrName>
-                                        </p:attrNameLst>
-                                      </p:cBhvr>
-                                      <p:to>
-                                        <p:strVal val="visible"/>
-                                      </p:to>
-                                    </p:set>
-                                    <p:animEffect transition="in" filter="fade">
-                                      <p:cBhvr>
-                                        <p:cTn id="23" dur="500"/>
-                                        <p:tgtEl>
-                                          <p:spTgt spid="2"/>
+                                          <p:spTgt spid="28"/>
                                         </p:tgtEl>
                                       </p:cBhvr>
                                     </p:animEffect>
@@ -10932,32 +10667,32 @@
                     </p:cTn>
                   </p:par>
                   <p:par>
-                    <p:cTn id="24" fill="hold">
+                    <p:cTn id="21" fill="hold">
                       <p:stCondLst>
                         <p:cond delay="indefinite"/>
                       </p:stCondLst>
                       <p:childTnLst>
                         <p:par>
-                          <p:cTn id="25" fill="hold">
+                          <p:cTn id="22" fill="hold">
                             <p:stCondLst>
                               <p:cond delay="0"/>
                             </p:stCondLst>
                             <p:childTnLst>
                               <p:par>
-                                <p:cTn id="26" presetID="10" presetClass="entr" presetSubtype="0" fill="hold" nodeType="clickEffect">
+                                <p:cTn id="23" presetID="10" presetClass="entr" presetSubtype="0" fill="hold" nodeType="clickEffect">
                                   <p:stCondLst>
                                     <p:cond delay="0"/>
                                   </p:stCondLst>
                                   <p:childTnLst>
                                     <p:set>
                                       <p:cBhvr>
-                                        <p:cTn id="27" dur="1" fill="hold">
+                                        <p:cTn id="24" dur="1" fill="hold">
                                           <p:stCondLst>
                                             <p:cond delay="0"/>
                                           </p:stCondLst>
                                         </p:cTn>
                                         <p:tgtEl>
-                                          <p:spTgt spid="6"/>
+                                          <p:spTgt spid="25"/>
                                         </p:tgtEl>
                                         <p:attrNameLst>
                                           <p:attrName>style.visibility</p:attrName>
@@ -10969,9 +10704,9 @@
                                     </p:set>
                                     <p:animEffect transition="in" filter="fade">
                                       <p:cBhvr>
-                                        <p:cTn id="28" dur="500"/>
+                                        <p:cTn id="25" dur="250"/>
                                         <p:tgtEl>
-                                          <p:spTgt spid="6"/>
+                                          <p:spTgt spid="25"/>
                                         </p:tgtEl>
                                       </p:cBhvr>
                                     </p:animEffect>
@@ -10985,32 +10720,32 @@
                     </p:cTn>
                   </p:par>
                   <p:par>
-                    <p:cTn id="29" fill="hold">
+                    <p:cTn id="26" fill="hold">
                       <p:stCondLst>
                         <p:cond delay="indefinite"/>
                       </p:stCondLst>
                       <p:childTnLst>
                         <p:par>
-                          <p:cTn id="30" fill="hold">
+                          <p:cTn id="27" fill="hold">
                             <p:stCondLst>
                               <p:cond delay="0"/>
                             </p:stCondLst>
                             <p:childTnLst>
                               <p:par>
-                                <p:cTn id="31" presetID="10" presetClass="entr" presetSubtype="0" fill="hold" nodeType="clickEffect">
+                                <p:cTn id="28" presetID="10" presetClass="entr" presetSubtype="0" fill="hold" nodeType="clickEffect">
                                   <p:stCondLst>
                                     <p:cond delay="0"/>
                                   </p:stCondLst>
                                   <p:childTnLst>
                                     <p:set>
                                       <p:cBhvr>
-                                        <p:cTn id="32" dur="1" fill="hold">
+                                        <p:cTn id="29" dur="1" fill="hold">
                                           <p:stCondLst>
                                             <p:cond delay="0"/>
                                           </p:stCondLst>
                                         </p:cTn>
                                         <p:tgtEl>
-                                          <p:spTgt spid="17"/>
+                                          <p:spTgt spid="19"/>
                                         </p:tgtEl>
                                         <p:attrNameLst>
                                           <p:attrName>style.visibility</p:attrName>
@@ -11022,9 +10757,9 @@
                                     </p:set>
                                     <p:animEffect transition="in" filter="fade">
                                       <p:cBhvr>
-                                        <p:cTn id="33" dur="500"/>
+                                        <p:cTn id="30" dur="250"/>
                                         <p:tgtEl>
-                                          <p:spTgt spid="17"/>
+                                          <p:spTgt spid="19"/>
                                         </p:tgtEl>
                                       </p:cBhvr>
                                     </p:animEffect>
@@ -11038,26 +10773,26 @@
                     </p:cTn>
                   </p:par>
                   <p:par>
-                    <p:cTn id="34" fill="hold">
+                    <p:cTn id="31" fill="hold">
                       <p:stCondLst>
                         <p:cond delay="indefinite"/>
                       </p:stCondLst>
                       <p:childTnLst>
                         <p:par>
-                          <p:cTn id="35" fill="hold">
+                          <p:cTn id="32" fill="hold">
                             <p:stCondLst>
                               <p:cond delay="0"/>
                             </p:stCondLst>
                             <p:childTnLst>
                               <p:par>
-                                <p:cTn id="36" presetID="10" presetClass="entr" presetSubtype="0" fill="hold" nodeType="clickEffect">
+                                <p:cTn id="33" presetID="10" presetClass="entr" presetSubtype="0" fill="hold" nodeType="clickEffect">
                                   <p:stCondLst>
                                     <p:cond delay="0"/>
                                   </p:stCondLst>
                                   <p:childTnLst>
                                     <p:set>
                                       <p:cBhvr>
-                                        <p:cTn id="37" dur="1" fill="hold">
+                                        <p:cTn id="34" dur="1" fill="hold">
                                           <p:stCondLst>
                                             <p:cond delay="0"/>
                                           </p:stCondLst>
@@ -11075,7 +10810,7 @@
                                     </p:set>
                                     <p:animEffect transition="in" filter="fade">
                                       <p:cBhvr>
-                                        <p:cTn id="38" dur="500"/>
+                                        <p:cTn id="35" dur="250"/>
                                         <p:tgtEl>
                                           <p:spTgt spid="26"/>
                                         </p:tgtEl>
